--- a/DOC/NA_FCB1010Wifi.pptx
+++ b/DOC/NA_FCB1010Wifi.pptx
@@ -290,7 +290,7 @@
             <a:fld id="{7A847CFC-816F-41D0-AAC0-9BF4FEBC753E}" type="datetimeFigureOut">
               <a:rPr lang="es-ES" smtClean="0"/>
               <a:pPr/>
-              <a:t>18/09/2016</a:t>
+              <a:t>19/09/16</a:t>
             </a:fld>
             <a:endParaRPr lang="es-ES"/>
           </a:p>
@@ -457,7 +457,7 @@
             <a:fld id="{7A847CFC-816F-41D0-AAC0-9BF4FEBC753E}" type="datetimeFigureOut">
               <a:rPr lang="es-ES" smtClean="0"/>
               <a:pPr/>
-              <a:t>18/09/2016</a:t>
+              <a:t>19/09/16</a:t>
             </a:fld>
             <a:endParaRPr lang="es-ES"/>
           </a:p>
@@ -634,7 +634,7 @@
             <a:fld id="{7A847CFC-816F-41D0-AAC0-9BF4FEBC753E}" type="datetimeFigureOut">
               <a:rPr lang="es-ES" smtClean="0"/>
               <a:pPr/>
-              <a:t>18/09/2016</a:t>
+              <a:t>19/09/16</a:t>
             </a:fld>
             <a:endParaRPr lang="es-ES"/>
           </a:p>
@@ -801,7 +801,7 @@
             <a:fld id="{7A847CFC-816F-41D0-AAC0-9BF4FEBC753E}" type="datetimeFigureOut">
               <a:rPr lang="es-ES" smtClean="0"/>
               <a:pPr/>
-              <a:t>18/09/2016</a:t>
+              <a:t>19/09/16</a:t>
             </a:fld>
             <a:endParaRPr lang="es-ES"/>
           </a:p>
@@ -1044,7 +1044,7 @@
             <a:fld id="{7A847CFC-816F-41D0-AAC0-9BF4FEBC753E}" type="datetimeFigureOut">
               <a:rPr lang="es-ES" smtClean="0"/>
               <a:pPr/>
-              <a:t>18/09/2016</a:t>
+              <a:t>19/09/16</a:t>
             </a:fld>
             <a:endParaRPr lang="es-ES"/>
           </a:p>
@@ -1329,7 +1329,7 @@
             <a:fld id="{7A847CFC-816F-41D0-AAC0-9BF4FEBC753E}" type="datetimeFigureOut">
               <a:rPr lang="es-ES" smtClean="0"/>
               <a:pPr/>
-              <a:t>18/09/2016</a:t>
+              <a:t>19/09/16</a:t>
             </a:fld>
             <a:endParaRPr lang="es-ES"/>
           </a:p>
@@ -1748,7 +1748,7 @@
             <a:fld id="{7A847CFC-816F-41D0-AAC0-9BF4FEBC753E}" type="datetimeFigureOut">
               <a:rPr lang="es-ES" smtClean="0"/>
               <a:pPr/>
-              <a:t>18/09/2016</a:t>
+              <a:t>19/09/16</a:t>
             </a:fld>
             <a:endParaRPr lang="es-ES"/>
           </a:p>
@@ -1863,7 +1863,7 @@
             <a:fld id="{7A847CFC-816F-41D0-AAC0-9BF4FEBC753E}" type="datetimeFigureOut">
               <a:rPr lang="es-ES" smtClean="0"/>
               <a:pPr/>
-              <a:t>18/09/2016</a:t>
+              <a:t>19/09/16</a:t>
             </a:fld>
             <a:endParaRPr lang="es-ES"/>
           </a:p>
@@ -1955,7 +1955,7 @@
             <a:fld id="{7A847CFC-816F-41D0-AAC0-9BF4FEBC753E}" type="datetimeFigureOut">
               <a:rPr lang="es-ES" smtClean="0"/>
               <a:pPr/>
-              <a:t>18/09/2016</a:t>
+              <a:t>19/09/16</a:t>
             </a:fld>
             <a:endParaRPr lang="es-ES"/>
           </a:p>
@@ -2229,7 +2229,7 @@
             <a:fld id="{7A847CFC-816F-41D0-AAC0-9BF4FEBC753E}" type="datetimeFigureOut">
               <a:rPr lang="es-ES" smtClean="0"/>
               <a:pPr/>
-              <a:t>18/09/2016</a:t>
+              <a:t>19/09/16</a:t>
             </a:fld>
             <a:endParaRPr lang="es-ES"/>
           </a:p>
@@ -2479,7 +2479,7 @@
             <a:fld id="{7A847CFC-816F-41D0-AAC0-9BF4FEBC753E}" type="datetimeFigureOut">
               <a:rPr lang="es-ES" smtClean="0"/>
               <a:pPr/>
-              <a:t>18/09/2016</a:t>
+              <a:t>19/09/16</a:t>
             </a:fld>
             <a:endParaRPr lang="es-ES"/>
           </a:p>
@@ -2689,7 +2689,7 @@
             <a:fld id="{7A847CFC-816F-41D0-AAC0-9BF4FEBC753E}" type="datetimeFigureOut">
               <a:rPr lang="es-ES" smtClean="0"/>
               <a:pPr/>
-              <a:t>18/09/2016</a:t>
+              <a:t>19/09/16</a:t>
             </a:fld>
             <a:endParaRPr lang="es-ES"/>
           </a:p>
@@ -3060,41 +3060,6 @@
           <a:chExt cx="0" cy="0"/>
         </a:xfrm>
       </p:grpSpPr>
-      <p:cxnSp>
-        <p:nvCxnSpPr>
-          <p:cNvPr id="51" name="50 Conector angular"/>
-          <p:cNvCxnSpPr/>
-          <p:nvPr/>
-        </p:nvCxnSpPr>
-        <p:spPr>
-          <a:xfrm>
-            <a:off x="-696017" y="4492920"/>
-            <a:ext cx="1667617" cy="16200"/>
-          </a:xfrm>
-          <a:prstGeom prst="bentConnector3">
-            <a:avLst>
-              <a:gd name="adj1" fmla="val 50000"/>
-            </a:avLst>
-          </a:prstGeom>
-          <a:ln>
-            <a:tailEnd type="none"/>
-          </a:ln>
-        </p:spPr>
-        <p:style>
-          <a:lnRef idx="1">
-            <a:schemeClr val="accent1"/>
-          </a:lnRef>
-          <a:fillRef idx="0">
-            <a:schemeClr val="accent1"/>
-          </a:fillRef>
-          <a:effectRef idx="0">
-            <a:schemeClr val="accent1"/>
-          </a:effectRef>
-          <a:fontRef idx="minor">
-            <a:schemeClr val="tx1"/>
-          </a:fontRef>
-        </p:style>
-      </p:cxnSp>
       <p:sp>
         <p:nvSpPr>
           <p:cNvPr id="45" name="44 Rectángulo"/>
@@ -3103,7 +3068,7 @@
         </p:nvSpPr>
         <p:spPr>
           <a:xfrm>
-            <a:off x="6588224" y="3573016"/>
+            <a:off x="467544" y="1484784"/>
             <a:ext cx="1728192" cy="1080120"/>
           </a:xfrm>
           <a:prstGeom prst="rect">
@@ -3147,7 +3112,7 @@
         </p:nvSpPr>
         <p:spPr>
           <a:xfrm>
-            <a:off x="6588224" y="4653136"/>
+            <a:off x="467544" y="2564904"/>
             <a:ext cx="144016" cy="144016"/>
           </a:xfrm>
           <a:prstGeom prst="ellipse">
@@ -3188,7 +3153,7 @@
         </p:nvSpPr>
         <p:spPr>
           <a:xfrm>
-            <a:off x="7380312" y="4653136"/>
+            <a:off x="1259632" y="2564904"/>
             <a:ext cx="144016" cy="144016"/>
           </a:xfrm>
           <a:prstGeom prst="ellipse">
@@ -3229,7 +3194,7 @@
         </p:nvSpPr>
         <p:spPr>
           <a:xfrm>
-            <a:off x="8172400" y="4653136"/>
+            <a:off x="2051720" y="2564904"/>
             <a:ext cx="144016" cy="144016"/>
           </a:xfrm>
           <a:prstGeom prst="ellipse">
@@ -3270,7 +3235,7 @@
         </p:nvSpPr>
         <p:spPr>
           <a:xfrm>
-            <a:off x="6588224" y="3429000"/>
+            <a:off x="467544" y="1340768"/>
             <a:ext cx="144016" cy="144016"/>
           </a:xfrm>
           <a:prstGeom prst="ellipse">
@@ -3311,7 +3276,7 @@
         </p:nvSpPr>
         <p:spPr>
           <a:xfrm>
-            <a:off x="7380312" y="3429000"/>
+            <a:off x="1259632" y="1340768"/>
             <a:ext cx="144016" cy="144016"/>
           </a:xfrm>
           <a:prstGeom prst="ellipse">
@@ -3352,7 +3317,7 @@
         </p:nvSpPr>
         <p:spPr>
           <a:xfrm>
-            <a:off x="8172400" y="3429000"/>
+            <a:off x="2051720" y="1340768"/>
             <a:ext cx="144016" cy="144016"/>
           </a:xfrm>
           <a:prstGeom prst="ellipse">
@@ -3393,7 +3358,7 @@
         </p:nvSpPr>
         <p:spPr>
           <a:xfrm>
-            <a:off x="6588224" y="4077072"/>
+            <a:off x="467544" y="1988840"/>
             <a:ext cx="144016" cy="144016"/>
           </a:xfrm>
           <a:prstGeom prst="ellipse">
@@ -3434,7 +3399,7 @@
         </p:nvSpPr>
         <p:spPr>
           <a:xfrm>
-            <a:off x="6732240" y="4725144"/>
+            <a:off x="611560" y="2636912"/>
             <a:ext cx="747320" cy="276999"/>
           </a:xfrm>
           <a:prstGeom prst="rect">
@@ -3472,7 +3437,7 @@
         </p:nvSpPr>
         <p:spPr>
           <a:xfrm>
-            <a:off x="6372200" y="3140968"/>
+            <a:off x="251520" y="1052736"/>
             <a:ext cx="394916" cy="276999"/>
           </a:xfrm>
           <a:prstGeom prst="rect">
@@ -3502,7 +3467,7 @@
         </p:nvSpPr>
         <p:spPr>
           <a:xfrm>
-            <a:off x="7164288" y="3140968"/>
+            <a:off x="1043608" y="1052736"/>
             <a:ext cx="442750" cy="276999"/>
           </a:xfrm>
           <a:prstGeom prst="rect">
@@ -3532,7 +3497,7 @@
         </p:nvSpPr>
         <p:spPr>
           <a:xfrm>
-            <a:off x="7956376" y="3140968"/>
+            <a:off x="1835696" y="1052736"/>
             <a:ext cx="454548" cy="276999"/>
           </a:xfrm>
           <a:prstGeom prst="rect">
@@ -3566,7 +3531,7 @@
         </p:nvSpPr>
         <p:spPr>
           <a:xfrm>
-            <a:off x="6516216" y="2420888"/>
+            <a:off x="395536" y="332656"/>
             <a:ext cx="1984710" cy="461665"/>
           </a:xfrm>
           <a:prstGeom prst="rect">
@@ -3592,16 +3557,211 @@
           <a:p>
             <a:r>
               <a:rPr lang="es-ES_tradnl" sz="1200" dirty="0" smtClean="0"/>
-              <a:t>Entrada MIDI</a:t>
-            </a:r>
-            <a:r>
-              <a:rPr lang="es-ES_tradnl" sz="1200" dirty="0" smtClean="0"/>
-              <a:t> del FCB1010</a:t>
+              <a:t>Entrada MIDI del FCB1010</a:t>
             </a:r>
             <a:endParaRPr lang="es-ES" sz="1200" dirty="0"/>
           </a:p>
         </p:txBody>
       </p:sp>
+      <p:pic>
+        <p:nvPicPr>
+          <p:cNvPr id="2052" name="Picture 4" descr="https://0486607c-a-62cb3a1a-s-sites.googlegroups.com/site/fcb1010phantompower/home/18.jpg?attachauth=ANoY7crqK65QhZU2Y2wXaiFqRkpUrqSIIF3e6jlVXC0NADRQreqVbz5fZJbY1Bay5eUEgmOBsV7Fm2o89G33u3l-7Nu3fT3aonYH5ACovAAXO2ZlXxHZ7YtxCUBAfnWjlbSRkWUMIBTFYi0n8jnDFW4E2HCZoMKyAsmYMHac96Q3QkJ_SXIkbIw9FFEPYzlONhB_KCOu82JYAiBuwTBFZ71wAdjmPyuwqg%3D%3D&amp;attredirects=0"/>
+          <p:cNvPicPr>
+            <a:picLocks noChangeAspect="1" noChangeArrowheads="1"/>
+          </p:cNvPicPr>
+          <p:nvPr/>
+        </p:nvPicPr>
+        <p:blipFill>
+          <a:blip r:embed="rId2" cstate="print"/>
+          <a:srcRect l="20076" t="6951" r="13775" b="56300"/>
+          <a:stretch>
+            <a:fillRect/>
+          </a:stretch>
+        </p:blipFill>
+        <p:spPr bwMode="auto">
+          <a:xfrm>
+            <a:off x="755576" y="3429000"/>
+            <a:ext cx="6048672" cy="2520280"/>
+          </a:xfrm>
+          <a:prstGeom prst="rect">
+            <a:avLst/>
+          </a:prstGeom>
+          <a:noFill/>
+        </p:spPr>
+      </p:pic>
+      <p:grpSp>
+        <p:nvGrpSpPr>
+          <p:cNvPr id="19" name="18 Grupo"/>
+          <p:cNvGrpSpPr/>
+          <p:nvPr/>
+        </p:nvGrpSpPr>
+        <p:grpSpPr>
+          <a:xfrm>
+            <a:off x="4788024" y="31913"/>
+            <a:ext cx="3856153" cy="3037047"/>
+            <a:chOff x="6084168" y="1052736"/>
+            <a:chExt cx="2560009" cy="2016224"/>
+          </a:xfrm>
+        </p:grpSpPr>
+        <p:pic>
+          <p:nvPicPr>
+            <p:cNvPr id="2050" name="Picture 2" descr="Resultado de imagen"/>
+            <p:cNvPicPr>
+              <a:picLocks noChangeAspect="1" noChangeArrowheads="1"/>
+            </p:cNvPicPr>
+            <p:nvPr/>
+          </p:nvPicPr>
+          <p:blipFill>
+            <a:blip r:embed="rId3" cstate="print"/>
+            <a:srcRect l="22909" t="6107" r="45019" b="59697"/>
+            <a:stretch>
+              <a:fillRect/>
+            </a:stretch>
+          </p:blipFill>
+          <p:spPr bwMode="auto">
+            <a:xfrm>
+              <a:off x="6084168" y="1052736"/>
+              <a:ext cx="2520280" cy="2016224"/>
+            </a:xfrm>
+            <a:prstGeom prst="rect">
+              <a:avLst/>
+            </a:prstGeom>
+            <a:noFill/>
+          </p:spPr>
+        </p:pic>
+        <p:sp>
+          <p:nvSpPr>
+            <p:cNvPr id="18" name="17 Elipse"/>
+            <p:cNvSpPr/>
+            <p:nvPr/>
+          </p:nvSpPr>
+          <p:spPr>
+            <a:xfrm>
+              <a:off x="7452320" y="1916832"/>
+              <a:ext cx="1191857" cy="1080120"/>
+            </a:xfrm>
+            <a:prstGeom prst="ellipse">
+              <a:avLst/>
+            </a:prstGeom>
+            <a:noFill/>
+            <a:ln>
+              <a:solidFill>
+                <a:srgbClr val="C00000"/>
+              </a:solidFill>
+            </a:ln>
+          </p:spPr>
+          <p:style>
+            <a:lnRef idx="2">
+              <a:schemeClr val="accent1">
+                <a:shade val="50000"/>
+              </a:schemeClr>
+            </a:lnRef>
+            <a:fillRef idx="1">
+              <a:schemeClr val="accent1"/>
+            </a:fillRef>
+            <a:effectRef idx="0">
+              <a:schemeClr val="accent1"/>
+            </a:effectRef>
+            <a:fontRef idx="minor">
+              <a:schemeClr val="lt1"/>
+            </a:fontRef>
+          </p:style>
+          <p:txBody>
+            <a:bodyPr rtlCol="0" anchor="ctr"/>
+            <a:lstStyle/>
+            <a:p>
+              <a:pPr algn="ctr"/>
+              <a:endParaRPr lang="es-ES"/>
+            </a:p>
+          </p:txBody>
+        </p:sp>
+      </p:grpSp>
+      <p:sp>
+        <p:nvSpPr>
+          <p:cNvPr id="20" name="19 Elipse"/>
+          <p:cNvSpPr/>
+          <p:nvPr/>
+        </p:nvSpPr>
+        <p:spPr>
+          <a:xfrm>
+            <a:off x="5364088" y="3573016"/>
+            <a:ext cx="1944216" cy="936104"/>
+          </a:xfrm>
+          <a:prstGeom prst="ellipse">
+            <a:avLst/>
+          </a:prstGeom>
+          <a:noFill/>
+          <a:ln>
+            <a:solidFill>
+              <a:srgbClr val="C00000"/>
+            </a:solidFill>
+          </a:ln>
+        </p:spPr>
+        <p:style>
+          <a:lnRef idx="2">
+            <a:schemeClr val="accent1">
+              <a:shade val="50000"/>
+            </a:schemeClr>
+          </a:lnRef>
+          <a:fillRef idx="1">
+            <a:schemeClr val="accent1"/>
+          </a:fillRef>
+          <a:effectRef idx="0">
+            <a:schemeClr val="accent1"/>
+          </a:effectRef>
+          <a:fontRef idx="minor">
+            <a:schemeClr val="lt1"/>
+          </a:fontRef>
+        </p:style>
+        <p:txBody>
+          <a:bodyPr rtlCol="0" anchor="ctr"/>
+          <a:lstStyle/>
+          <a:p>
+            <a:pPr algn="ctr"/>
+            <a:endParaRPr lang="es-ES"/>
+          </a:p>
+        </p:txBody>
+      </p:sp>
+      <p:cxnSp>
+        <p:nvCxnSpPr>
+          <p:cNvPr id="22" name="21 Conector recto de flecha"/>
+          <p:cNvCxnSpPr>
+            <a:stCxn id="20" idx="0"/>
+          </p:cNvCxnSpPr>
+          <p:nvPr/>
+        </p:nvCxnSpPr>
+        <p:spPr>
+          <a:xfrm flipV="1">
+            <a:off x="6336196" y="2708920"/>
+            <a:ext cx="756084" cy="864096"/>
+          </a:xfrm>
+          <a:prstGeom prst="straightConnector1">
+            <a:avLst/>
+          </a:prstGeom>
+          <a:ln w="34925">
+            <a:solidFill>
+              <a:schemeClr val="accent3">
+                <a:lumMod val="75000"/>
+              </a:schemeClr>
+            </a:solidFill>
+            <a:tailEnd type="arrow"/>
+          </a:ln>
+        </p:spPr>
+        <p:style>
+          <a:lnRef idx="1">
+            <a:schemeClr val="accent1"/>
+          </a:lnRef>
+          <a:fillRef idx="0">
+            <a:schemeClr val="accent1"/>
+          </a:fillRef>
+          <a:effectRef idx="0">
+            <a:schemeClr val="accent1"/>
+          </a:effectRef>
+          <a:fontRef idx="minor">
+            <a:schemeClr val="tx1"/>
+          </a:fontRef>
+        </p:style>
+      </p:cxnSp>
     </p:spTree>
   </p:cSld>
   <p:clrMapOvr>
@@ -3629,6 +3789,30 @@
       </p:grpSpPr>
       <p:pic>
         <p:nvPicPr>
+          <p:cNvPr id="46" name="45 Imagen" descr="Imagen2.png"/>
+          <p:cNvPicPr>
+            <a:picLocks noChangeAspect="1"/>
+          </p:cNvPicPr>
+          <p:nvPr/>
+        </p:nvPicPr>
+        <p:blipFill>
+          <a:blip r:embed="rId2" cstate="print"/>
+          <a:stretch>
+            <a:fillRect/>
+          </a:stretch>
+        </p:blipFill>
+        <p:spPr>
+          <a:xfrm>
+            <a:off x="4273698" y="3066601"/>
+            <a:ext cx="4870302" cy="3791399"/>
+          </a:xfrm>
+          <a:prstGeom prst="rect">
+            <a:avLst/>
+          </a:prstGeom>
+        </p:spPr>
+      </p:pic>
+      <p:pic>
+        <p:nvPicPr>
           <p:cNvPr id="1029" name="Picture 5" descr="https://cdn.instructables.com/FT4/3DPW/ICE0BBHM/FT43DPWICE0BBHM.LARGE.jpg"/>
           <p:cNvPicPr>
             <a:picLocks noChangeAspect="1" noChangeArrowheads="1"/>
@@ -3636,7 +3820,7 @@
           <p:nvPr/>
         </p:nvPicPr>
         <p:blipFill>
-          <a:blip r:embed="rId2" cstate="print"/>
+          <a:blip r:embed="rId3" cstate="print"/>
           <a:srcRect/>
           <a:stretch>
             <a:fillRect/>
@@ -3653,174 +3837,6 @@
           <a:noFill/>
         </p:spPr>
       </p:pic>
-      <p:grpSp>
-        <p:nvGrpSpPr>
-          <p:cNvPr id="45" name="44 Grupo"/>
-          <p:cNvGrpSpPr/>
-          <p:nvPr/>
-        </p:nvGrpSpPr>
-        <p:grpSpPr>
-          <a:xfrm>
-            <a:off x="467544" y="2348880"/>
-            <a:ext cx="4780341" cy="3571084"/>
-            <a:chOff x="3995936" y="2204864"/>
-            <a:chExt cx="4780341" cy="3571084"/>
-          </a:xfrm>
-        </p:grpSpPr>
-        <p:pic>
-          <p:nvPicPr>
-            <p:cNvPr id="1026" name="Picture 2" descr="ESP improved stability"/>
-            <p:cNvPicPr>
-              <a:picLocks noChangeAspect="1" noChangeArrowheads="1"/>
-            </p:cNvPicPr>
-            <p:nvPr/>
-          </p:nvPicPr>
-          <p:blipFill>
-            <a:blip r:embed="rId3" cstate="print"/>
-            <a:srcRect/>
-            <a:stretch>
-              <a:fillRect/>
-            </a:stretch>
-          </p:blipFill>
-          <p:spPr bwMode="auto">
-            <a:xfrm>
-              <a:off x="3995936" y="2204864"/>
-              <a:ext cx="4780341" cy="3571084"/>
-            </a:xfrm>
-            <a:prstGeom prst="rect">
-              <a:avLst/>
-            </a:prstGeom>
-            <a:noFill/>
-          </p:spPr>
-        </p:pic>
-        <p:grpSp>
-          <p:nvGrpSpPr>
-            <p:cNvPr id="17" name="16 Grupo"/>
-            <p:cNvGrpSpPr/>
-            <p:nvPr/>
-          </p:nvGrpSpPr>
-          <p:grpSpPr>
-            <a:xfrm>
-              <a:off x="7956376" y="2564904"/>
-              <a:ext cx="144016" cy="1800200"/>
-              <a:chOff x="7956376" y="2564904"/>
-              <a:chExt cx="144016" cy="1800200"/>
-            </a:xfrm>
-          </p:grpSpPr>
-          <p:sp>
-            <p:nvSpPr>
-              <p:cNvPr id="8" name="7 Rectángulo"/>
-              <p:cNvSpPr/>
-              <p:nvPr/>
-            </p:nvSpPr>
-            <p:spPr>
-              <a:xfrm>
-                <a:off x="7956376" y="2852936"/>
-                <a:ext cx="144016" cy="360040"/>
-              </a:xfrm>
-              <a:prstGeom prst="rect">
-                <a:avLst/>
-              </a:prstGeom>
-              <a:noFill/>
-              <a:ln>
-                <a:solidFill>
-                  <a:schemeClr val="accent2"/>
-                </a:solidFill>
-              </a:ln>
-            </p:spPr>
-            <p:style>
-              <a:lnRef idx="2">
-                <a:schemeClr val="accent1">
-                  <a:shade val="50000"/>
-                </a:schemeClr>
-              </a:lnRef>
-              <a:fillRef idx="1">
-                <a:schemeClr val="accent1"/>
-              </a:fillRef>
-              <a:effectRef idx="0">
-                <a:schemeClr val="accent1"/>
-              </a:effectRef>
-              <a:fontRef idx="minor">
-                <a:schemeClr val="lt1"/>
-              </a:fontRef>
-            </p:style>
-            <p:txBody>
-              <a:bodyPr rtlCol="0" anchor="ctr"/>
-              <a:lstStyle/>
-              <a:p>
-                <a:pPr algn="ctr"/>
-                <a:endParaRPr lang="es-ES"/>
-              </a:p>
-            </p:txBody>
-          </p:sp>
-          <p:cxnSp>
-            <p:nvCxnSpPr>
-              <p:cNvPr id="10" name="9 Conector recto"/>
-              <p:cNvCxnSpPr>
-                <a:stCxn id="8" idx="0"/>
-              </p:cNvCxnSpPr>
-              <p:nvPr/>
-            </p:nvCxnSpPr>
-            <p:spPr>
-              <a:xfrm flipV="1">
-                <a:off x="8028384" y="2564904"/>
-                <a:ext cx="0" cy="288032"/>
-              </a:xfrm>
-              <a:prstGeom prst="line">
-                <a:avLst/>
-              </a:prstGeom>
-            </p:spPr>
-            <p:style>
-              <a:lnRef idx="1">
-                <a:schemeClr val="accent1"/>
-              </a:lnRef>
-              <a:fillRef idx="0">
-                <a:schemeClr val="accent1"/>
-              </a:fillRef>
-              <a:effectRef idx="0">
-                <a:schemeClr val="accent1"/>
-              </a:effectRef>
-              <a:fontRef idx="minor">
-                <a:schemeClr val="tx1"/>
-              </a:fontRef>
-            </p:style>
-          </p:cxnSp>
-          <p:cxnSp>
-            <p:nvCxnSpPr>
-              <p:cNvPr id="15" name="14 Conector angular"/>
-              <p:cNvCxnSpPr>
-                <a:stCxn id="8" idx="2"/>
-              </p:cNvCxnSpPr>
-              <p:nvPr/>
-            </p:nvCxnSpPr>
-            <p:spPr>
-              <a:xfrm rot="5400000">
-                <a:off x="7416316" y="3753036"/>
-                <a:ext cx="1152128" cy="72008"/>
-              </a:xfrm>
-              <a:prstGeom prst="bentConnector3">
-                <a:avLst>
-                  <a:gd name="adj1" fmla="val 99020"/>
-                </a:avLst>
-              </a:prstGeom>
-            </p:spPr>
-            <p:style>
-              <a:lnRef idx="1">
-                <a:schemeClr val="accent1"/>
-              </a:lnRef>
-              <a:fillRef idx="0">
-                <a:schemeClr val="accent1"/>
-              </a:fillRef>
-              <a:effectRef idx="0">
-                <a:schemeClr val="accent1"/>
-              </a:effectRef>
-              <a:fontRef idx="minor">
-                <a:schemeClr val="tx1"/>
-              </a:fontRef>
-            </p:style>
-          </p:cxnSp>
-        </p:grpSp>
-      </p:grpSp>
       <p:grpSp>
         <p:nvGrpSpPr>
           <p:cNvPr id="16" name="15 Grupo"/>
@@ -3829,7 +3845,7 @@
         </p:nvGrpSpPr>
         <p:grpSpPr>
           <a:xfrm>
-            <a:off x="7668344" y="3501008"/>
+            <a:off x="1403648" y="4794793"/>
             <a:ext cx="288032" cy="936104"/>
             <a:chOff x="6588224" y="2492896"/>
             <a:chExt cx="288032" cy="936104"/>
@@ -4055,8 +4071,8 @@
         </p:nvSpPr>
         <p:spPr>
           <a:xfrm>
-            <a:off x="5796136" y="5157192"/>
-            <a:ext cx="2376264" cy="1080120"/>
+            <a:off x="2987824" y="4074713"/>
+            <a:ext cx="864096" cy="2304256"/>
           </a:xfrm>
           <a:prstGeom prst="rect">
             <a:avLst/>
@@ -4085,7 +4101,14 @@
             <a:pPr algn="ctr"/>
             <a:r>
               <a:rPr lang="es-ES_tradnl" dirty="0" smtClean="0"/>
-              <a:t>5V  </a:t>
+              <a:t>5V</a:t>
+            </a:r>
+          </a:p>
+          <a:p>
+            <a:pPr algn="ctr"/>
+            <a:r>
+              <a:rPr lang="es-ES_tradnl" dirty="0" smtClean="0"/>
+              <a:t> </a:t>
             </a:r>
             <a:r>
               <a:rPr lang="es-ES_tradnl" dirty="0" err="1" smtClean="0"/>
@@ -4093,7 +4116,15 @@
             </a:r>
             <a:r>
               <a:rPr lang="es-ES_tradnl" dirty="0" smtClean="0"/>
-              <a:t>  3.3V</a:t>
+              <a:t>  </a:t>
+            </a:r>
+            <a:endParaRPr lang="es-ES_tradnl" dirty="0" smtClean="0"/>
+          </a:p>
+          <a:p>
+            <a:pPr algn="ctr"/>
+            <a:r>
+              <a:rPr lang="es-ES_tradnl" dirty="0" smtClean="0"/>
+              <a:t>3.3V</a:t>
             </a:r>
             <a:endParaRPr lang="es-ES" dirty="0"/>
           </a:p>
@@ -4107,7 +4138,7 @@
         </p:nvSpPr>
         <p:spPr>
           <a:xfrm>
-            <a:off x="7956376" y="3501008"/>
+            <a:off x="539552" y="4794793"/>
             <a:ext cx="853119" cy="307777"/>
           </a:xfrm>
           <a:prstGeom prst="rect">
@@ -4141,7 +4172,7 @@
         </p:nvSpPr>
         <p:spPr>
           <a:xfrm>
-            <a:off x="7956376" y="3717032"/>
+            <a:off x="674205" y="5010817"/>
             <a:ext cx="718466" cy="307777"/>
           </a:xfrm>
           <a:prstGeom prst="rect">
@@ -4171,7 +4202,7 @@
         </p:nvSpPr>
         <p:spPr>
           <a:xfrm>
-            <a:off x="7956376" y="3933056"/>
+            <a:off x="924273" y="5226841"/>
             <a:ext cx="468398" cy="307777"/>
           </a:xfrm>
           <a:prstGeom prst="rect">
@@ -4201,7 +4232,7 @@
         </p:nvSpPr>
         <p:spPr>
           <a:xfrm>
-            <a:off x="7956376" y="4149080"/>
+            <a:off x="905037" y="5442865"/>
             <a:ext cx="487634" cy="307777"/>
           </a:xfrm>
           <a:prstGeom prst="rect">
@@ -4231,8 +4262,8 @@
         </p:nvSpPr>
         <p:spPr>
           <a:xfrm>
-            <a:off x="6948264" y="2924944"/>
-            <a:ext cx="1788438" cy="523220"/>
+            <a:off x="323528" y="3717032"/>
+            <a:ext cx="1542474" cy="461665"/>
           </a:xfrm>
           <a:prstGeom prst="rect">
             <a:avLst/>
@@ -4247,32 +4278,229 @@
           <a:p>
             <a:pPr algn="ctr"/>
             <a:r>
-              <a:rPr lang="es-ES" sz="1400" dirty="0" smtClean="0"/>
+              <a:rPr lang="es-ES" sz="1200" i="1" dirty="0" smtClean="0"/>
               <a:t>FCB1010</a:t>
             </a:r>
           </a:p>
           <a:p>
             <a:pPr algn="ctr"/>
             <a:r>
-              <a:rPr lang="es-ES" sz="1400" dirty="0" smtClean="0"/>
+              <a:rPr lang="es-ES" sz="1200" i="1" dirty="0" smtClean="0"/>
               <a:t>MIDI </a:t>
             </a:r>
             <a:r>
-              <a:rPr lang="es-ES" sz="1400" dirty="0" err="1" smtClean="0"/>
+              <a:rPr lang="es-ES" sz="1200" i="1" dirty="0" err="1" smtClean="0"/>
               <a:t>board</a:t>
             </a:r>
             <a:r>
-              <a:rPr lang="es-ES" sz="1400" dirty="0" smtClean="0"/>
+              <a:rPr lang="es-ES" sz="1200" i="1" dirty="0" smtClean="0"/>
               <a:t> </a:t>
             </a:r>
             <a:r>
-              <a:rPr lang="es-ES" sz="1400" dirty="0" err="1" smtClean="0"/>
+              <a:rPr lang="es-ES" sz="1200" i="1" dirty="0" err="1" smtClean="0"/>
               <a:t>connector</a:t>
             </a:r>
-            <a:endParaRPr lang="es-ES" sz="1400" dirty="0"/>
-          </a:p>
-        </p:txBody>
-      </p:sp>
+            <a:endParaRPr lang="es-ES" sz="1200" i="1" dirty="0"/>
+          </a:p>
+        </p:txBody>
+      </p:sp>
+      <p:cxnSp>
+        <p:nvCxnSpPr>
+          <p:cNvPr id="29" name="28 Conector angular"/>
+          <p:cNvCxnSpPr/>
+          <p:nvPr/>
+        </p:nvCxnSpPr>
+        <p:spPr>
+          <a:xfrm rot="5400000">
+            <a:off x="3491880" y="4146721"/>
+            <a:ext cx="1152128" cy="432048"/>
+          </a:xfrm>
+          <a:prstGeom prst="bentConnector3">
+            <a:avLst>
+              <a:gd name="adj1" fmla="val 99798"/>
+            </a:avLst>
+          </a:prstGeom>
+        </p:spPr>
+        <p:style>
+          <a:lnRef idx="1">
+            <a:schemeClr val="accent1"/>
+          </a:lnRef>
+          <a:fillRef idx="0">
+            <a:schemeClr val="accent1"/>
+          </a:fillRef>
+          <a:effectRef idx="0">
+            <a:schemeClr val="accent1"/>
+          </a:effectRef>
+          <a:fontRef idx="minor">
+            <a:schemeClr val="tx1"/>
+          </a:fontRef>
+        </p:style>
+      </p:cxnSp>
+      <p:cxnSp>
+        <p:nvCxnSpPr>
+          <p:cNvPr id="32" name="31 Conector angular"/>
+          <p:cNvCxnSpPr/>
+          <p:nvPr/>
+        </p:nvCxnSpPr>
+        <p:spPr>
+          <a:xfrm rot="16200000" flipV="1">
+            <a:off x="3383868" y="5838909"/>
+            <a:ext cx="1368152" cy="432048"/>
+          </a:xfrm>
+          <a:prstGeom prst="bentConnector3">
+            <a:avLst>
+              <a:gd name="adj1" fmla="val 100454"/>
+            </a:avLst>
+          </a:prstGeom>
+        </p:spPr>
+        <p:style>
+          <a:lnRef idx="1">
+            <a:schemeClr val="accent1"/>
+          </a:lnRef>
+          <a:fillRef idx="0">
+            <a:schemeClr val="accent1"/>
+          </a:fillRef>
+          <a:effectRef idx="0">
+            <a:schemeClr val="accent1"/>
+          </a:effectRef>
+          <a:fontRef idx="minor">
+            <a:schemeClr val="tx1"/>
+          </a:fontRef>
+        </p:style>
+      </p:cxnSp>
+      <p:cxnSp>
+        <p:nvCxnSpPr>
+          <p:cNvPr id="37" name="36 Conector recto"/>
+          <p:cNvCxnSpPr>
+            <a:stCxn id="22" idx="6"/>
+          </p:cNvCxnSpPr>
+          <p:nvPr/>
+        </p:nvCxnSpPr>
+        <p:spPr>
+          <a:xfrm>
+            <a:off x="1619672" y="5370857"/>
+            <a:ext cx="1368152" cy="0"/>
+          </a:xfrm>
+          <a:prstGeom prst="line">
+            <a:avLst/>
+          </a:prstGeom>
+        </p:spPr>
+        <p:style>
+          <a:lnRef idx="1">
+            <a:schemeClr val="accent1"/>
+          </a:lnRef>
+          <a:fillRef idx="0">
+            <a:schemeClr val="accent1"/>
+          </a:fillRef>
+          <a:effectRef idx="0">
+            <a:schemeClr val="accent1"/>
+          </a:effectRef>
+          <a:fontRef idx="minor">
+            <a:schemeClr val="tx1"/>
+          </a:fontRef>
+        </p:style>
+      </p:cxnSp>
+      <p:cxnSp>
+        <p:nvCxnSpPr>
+          <p:cNvPr id="40" name="39 Conector recto"/>
+          <p:cNvCxnSpPr>
+            <a:stCxn id="23" idx="6"/>
+          </p:cNvCxnSpPr>
+          <p:nvPr/>
+        </p:nvCxnSpPr>
+        <p:spPr>
+          <a:xfrm>
+            <a:off x="1619672" y="5586881"/>
+            <a:ext cx="1368152" cy="0"/>
+          </a:xfrm>
+          <a:prstGeom prst="line">
+            <a:avLst/>
+          </a:prstGeom>
+        </p:spPr>
+        <p:style>
+          <a:lnRef idx="1">
+            <a:schemeClr val="accent1"/>
+          </a:lnRef>
+          <a:fillRef idx="0">
+            <a:schemeClr val="accent1"/>
+          </a:fillRef>
+          <a:effectRef idx="0">
+            <a:schemeClr val="accent1"/>
+          </a:effectRef>
+          <a:fontRef idx="minor">
+            <a:schemeClr val="tx1"/>
+          </a:fontRef>
+        </p:style>
+      </p:cxnSp>
+      <p:cxnSp>
+        <p:nvCxnSpPr>
+          <p:cNvPr id="48" name="47 Conector angular"/>
+          <p:cNvCxnSpPr>
+            <a:stCxn id="19" idx="6"/>
+          </p:cNvCxnSpPr>
+          <p:nvPr/>
+        </p:nvCxnSpPr>
+        <p:spPr>
+          <a:xfrm flipV="1">
+            <a:off x="1619672" y="3324999"/>
+            <a:ext cx="2710281" cy="1613810"/>
+          </a:xfrm>
+          <a:prstGeom prst="bentConnector3">
+            <a:avLst>
+              <a:gd name="adj1" fmla="val 38754"/>
+            </a:avLst>
+          </a:prstGeom>
+        </p:spPr>
+        <p:style>
+          <a:lnRef idx="1">
+            <a:schemeClr val="accent1"/>
+          </a:lnRef>
+          <a:fillRef idx="0">
+            <a:schemeClr val="accent1"/>
+          </a:fillRef>
+          <a:effectRef idx="0">
+            <a:schemeClr val="accent1"/>
+          </a:effectRef>
+          <a:fontRef idx="minor">
+            <a:schemeClr val="tx1"/>
+          </a:fontRef>
+        </p:style>
+      </p:cxnSp>
+      <p:cxnSp>
+        <p:nvCxnSpPr>
+          <p:cNvPr id="52" name="51 Conector recto de flecha"/>
+          <p:cNvCxnSpPr>
+            <a:stCxn id="28" idx="2"/>
+          </p:cNvCxnSpPr>
+          <p:nvPr/>
+        </p:nvCxnSpPr>
+        <p:spPr>
+          <a:xfrm>
+            <a:off x="1094765" y="4178697"/>
+            <a:ext cx="380891" cy="474439"/>
+          </a:xfrm>
+          <a:prstGeom prst="straightConnector1">
+            <a:avLst/>
+          </a:prstGeom>
+          <a:ln>
+            <a:tailEnd type="arrow"/>
+          </a:ln>
+        </p:spPr>
+        <p:style>
+          <a:lnRef idx="1">
+            <a:schemeClr val="accent1"/>
+          </a:lnRef>
+          <a:fillRef idx="0">
+            <a:schemeClr val="accent1"/>
+          </a:fillRef>
+          <a:effectRef idx="0">
+            <a:schemeClr val="accent1"/>
+          </a:effectRef>
+          <a:fontRef idx="minor">
+            <a:schemeClr val="tx1"/>
+          </a:fontRef>
+        </p:style>
+      </p:cxnSp>
     </p:spTree>
   </p:cSld>
   <p:clrMapOvr>

--- a/DOC/NA_FCB1010Wifi.pptx
+++ b/DOC/NA_FCB1010Wifi.pptx
@@ -290,7 +290,7 @@
             <a:fld id="{7A847CFC-816F-41D0-AAC0-9BF4FEBC753E}" type="datetimeFigureOut">
               <a:rPr lang="es-ES" smtClean="0"/>
               <a:pPr/>
-              <a:t>19/09/16</a:t>
+              <a:t>24/10/16</a:t>
             </a:fld>
             <a:endParaRPr lang="es-ES"/>
           </a:p>
@@ -457,7 +457,7 @@
             <a:fld id="{7A847CFC-816F-41D0-AAC0-9BF4FEBC753E}" type="datetimeFigureOut">
               <a:rPr lang="es-ES" smtClean="0"/>
               <a:pPr/>
-              <a:t>19/09/16</a:t>
+              <a:t>24/10/16</a:t>
             </a:fld>
             <a:endParaRPr lang="es-ES"/>
           </a:p>
@@ -634,7 +634,7 @@
             <a:fld id="{7A847CFC-816F-41D0-AAC0-9BF4FEBC753E}" type="datetimeFigureOut">
               <a:rPr lang="es-ES" smtClean="0"/>
               <a:pPr/>
-              <a:t>19/09/16</a:t>
+              <a:t>24/10/16</a:t>
             </a:fld>
             <a:endParaRPr lang="es-ES"/>
           </a:p>
@@ -801,7 +801,7 @@
             <a:fld id="{7A847CFC-816F-41D0-AAC0-9BF4FEBC753E}" type="datetimeFigureOut">
               <a:rPr lang="es-ES" smtClean="0"/>
               <a:pPr/>
-              <a:t>19/09/16</a:t>
+              <a:t>24/10/16</a:t>
             </a:fld>
             <a:endParaRPr lang="es-ES"/>
           </a:p>
@@ -1044,7 +1044,7 @@
             <a:fld id="{7A847CFC-816F-41D0-AAC0-9BF4FEBC753E}" type="datetimeFigureOut">
               <a:rPr lang="es-ES" smtClean="0"/>
               <a:pPr/>
-              <a:t>19/09/16</a:t>
+              <a:t>24/10/16</a:t>
             </a:fld>
             <a:endParaRPr lang="es-ES"/>
           </a:p>
@@ -1329,7 +1329,7 @@
             <a:fld id="{7A847CFC-816F-41D0-AAC0-9BF4FEBC753E}" type="datetimeFigureOut">
               <a:rPr lang="es-ES" smtClean="0"/>
               <a:pPr/>
-              <a:t>19/09/16</a:t>
+              <a:t>24/10/16</a:t>
             </a:fld>
             <a:endParaRPr lang="es-ES"/>
           </a:p>
@@ -1748,7 +1748,7 @@
             <a:fld id="{7A847CFC-816F-41D0-AAC0-9BF4FEBC753E}" type="datetimeFigureOut">
               <a:rPr lang="es-ES" smtClean="0"/>
               <a:pPr/>
-              <a:t>19/09/16</a:t>
+              <a:t>24/10/16</a:t>
             </a:fld>
             <a:endParaRPr lang="es-ES"/>
           </a:p>
@@ -1863,7 +1863,7 @@
             <a:fld id="{7A847CFC-816F-41D0-AAC0-9BF4FEBC753E}" type="datetimeFigureOut">
               <a:rPr lang="es-ES" smtClean="0"/>
               <a:pPr/>
-              <a:t>19/09/16</a:t>
+              <a:t>24/10/16</a:t>
             </a:fld>
             <a:endParaRPr lang="es-ES"/>
           </a:p>
@@ -1955,7 +1955,7 @@
             <a:fld id="{7A847CFC-816F-41D0-AAC0-9BF4FEBC753E}" type="datetimeFigureOut">
               <a:rPr lang="es-ES" smtClean="0"/>
               <a:pPr/>
-              <a:t>19/09/16</a:t>
+              <a:t>24/10/16</a:t>
             </a:fld>
             <a:endParaRPr lang="es-ES"/>
           </a:p>
@@ -2229,7 +2229,7 @@
             <a:fld id="{7A847CFC-816F-41D0-AAC0-9BF4FEBC753E}" type="datetimeFigureOut">
               <a:rPr lang="es-ES" smtClean="0"/>
               <a:pPr/>
-              <a:t>19/09/16</a:t>
+              <a:t>24/10/16</a:t>
             </a:fld>
             <a:endParaRPr lang="es-ES"/>
           </a:p>
@@ -2479,7 +2479,7 @@
             <a:fld id="{7A847CFC-816F-41D0-AAC0-9BF4FEBC753E}" type="datetimeFigureOut">
               <a:rPr lang="es-ES" smtClean="0"/>
               <a:pPr/>
-              <a:t>19/09/16</a:t>
+              <a:t>24/10/16</a:t>
             </a:fld>
             <a:endParaRPr lang="es-ES"/>
           </a:p>
@@ -2689,7 +2689,7 @@
             <a:fld id="{7A847CFC-816F-41D0-AAC0-9BF4FEBC753E}" type="datetimeFigureOut">
               <a:rPr lang="es-ES" smtClean="0"/>
               <a:pPr/>
-              <a:t>19/09/16</a:t>
+              <a:t>24/10/16</a:t>
             </a:fld>
             <a:endParaRPr lang="es-ES"/>
           </a:p>
@@ -3060,509 +3060,6 @@
           <a:chExt cx="0" cy="0"/>
         </a:xfrm>
       </p:grpSpPr>
-      <p:sp>
-        <p:nvSpPr>
-          <p:cNvPr id="45" name="44 Rectángulo"/>
-          <p:cNvSpPr/>
-          <p:nvPr/>
-        </p:nvSpPr>
-        <p:spPr>
-          <a:xfrm>
-            <a:off x="467544" y="1484784"/>
-            <a:ext cx="1728192" cy="1080120"/>
-          </a:xfrm>
-          <a:prstGeom prst="rect">
-            <a:avLst/>
-          </a:prstGeom>
-        </p:spPr>
-        <p:style>
-          <a:lnRef idx="2">
-            <a:schemeClr val="accent1">
-              <a:shade val="50000"/>
-            </a:schemeClr>
-          </a:lnRef>
-          <a:fillRef idx="1">
-            <a:schemeClr val="accent1"/>
-          </a:fillRef>
-          <a:effectRef idx="0">
-            <a:schemeClr val="accent1"/>
-          </a:effectRef>
-          <a:fontRef idx="minor">
-            <a:schemeClr val="lt1"/>
-          </a:fontRef>
-        </p:style>
-        <p:txBody>
-          <a:bodyPr rtlCol="0" anchor="ctr"/>
-          <a:lstStyle/>
-          <a:p>
-            <a:pPr algn="ctr"/>
-            <a:r>
-              <a:rPr lang="es-ES_tradnl" dirty="0" smtClean="0"/>
-              <a:t>H11L1</a:t>
-            </a:r>
-            <a:endParaRPr lang="es-ES" dirty="0"/>
-          </a:p>
-        </p:txBody>
-      </p:sp>
-      <p:sp>
-        <p:nvSpPr>
-          <p:cNvPr id="46" name="45 Elipse"/>
-          <p:cNvSpPr/>
-          <p:nvPr/>
-        </p:nvSpPr>
-        <p:spPr>
-          <a:xfrm>
-            <a:off x="467544" y="2564904"/>
-            <a:ext cx="144016" cy="144016"/>
-          </a:xfrm>
-          <a:prstGeom prst="ellipse">
-            <a:avLst/>
-          </a:prstGeom>
-          <a:noFill/>
-        </p:spPr>
-        <p:style>
-          <a:lnRef idx="2">
-            <a:schemeClr val="accent1">
-              <a:shade val="50000"/>
-            </a:schemeClr>
-          </a:lnRef>
-          <a:fillRef idx="1">
-            <a:schemeClr val="accent1"/>
-          </a:fillRef>
-          <a:effectRef idx="0">
-            <a:schemeClr val="accent1"/>
-          </a:effectRef>
-          <a:fontRef idx="minor">
-            <a:schemeClr val="lt1"/>
-          </a:fontRef>
-        </p:style>
-        <p:txBody>
-          <a:bodyPr rtlCol="0" anchor="ctr"/>
-          <a:lstStyle/>
-          <a:p>
-            <a:pPr algn="ctr"/>
-            <a:endParaRPr lang="es-ES"/>
-          </a:p>
-        </p:txBody>
-      </p:sp>
-      <p:sp>
-        <p:nvSpPr>
-          <p:cNvPr id="47" name="46 Elipse"/>
-          <p:cNvSpPr/>
-          <p:nvPr/>
-        </p:nvSpPr>
-        <p:spPr>
-          <a:xfrm>
-            <a:off x="1259632" y="2564904"/>
-            <a:ext cx="144016" cy="144016"/>
-          </a:xfrm>
-          <a:prstGeom prst="ellipse">
-            <a:avLst/>
-          </a:prstGeom>
-          <a:noFill/>
-        </p:spPr>
-        <p:style>
-          <a:lnRef idx="2">
-            <a:schemeClr val="accent1">
-              <a:shade val="50000"/>
-            </a:schemeClr>
-          </a:lnRef>
-          <a:fillRef idx="1">
-            <a:schemeClr val="accent1"/>
-          </a:fillRef>
-          <a:effectRef idx="0">
-            <a:schemeClr val="accent1"/>
-          </a:effectRef>
-          <a:fontRef idx="minor">
-            <a:schemeClr val="lt1"/>
-          </a:fontRef>
-        </p:style>
-        <p:txBody>
-          <a:bodyPr rtlCol="0" anchor="ctr"/>
-          <a:lstStyle/>
-          <a:p>
-            <a:pPr algn="ctr"/>
-            <a:endParaRPr lang="es-ES"/>
-          </a:p>
-        </p:txBody>
-      </p:sp>
-      <p:sp>
-        <p:nvSpPr>
-          <p:cNvPr id="48" name="47 Elipse"/>
-          <p:cNvSpPr/>
-          <p:nvPr/>
-        </p:nvSpPr>
-        <p:spPr>
-          <a:xfrm>
-            <a:off x="2051720" y="2564904"/>
-            <a:ext cx="144016" cy="144016"/>
-          </a:xfrm>
-          <a:prstGeom prst="ellipse">
-            <a:avLst/>
-          </a:prstGeom>
-          <a:noFill/>
-        </p:spPr>
-        <p:style>
-          <a:lnRef idx="2">
-            <a:schemeClr val="accent1">
-              <a:shade val="50000"/>
-            </a:schemeClr>
-          </a:lnRef>
-          <a:fillRef idx="1">
-            <a:schemeClr val="accent1"/>
-          </a:fillRef>
-          <a:effectRef idx="0">
-            <a:schemeClr val="accent1"/>
-          </a:effectRef>
-          <a:fontRef idx="minor">
-            <a:schemeClr val="lt1"/>
-          </a:fontRef>
-        </p:style>
-        <p:txBody>
-          <a:bodyPr rtlCol="0" anchor="ctr"/>
-          <a:lstStyle/>
-          <a:p>
-            <a:pPr algn="ctr"/>
-            <a:endParaRPr lang="es-ES"/>
-          </a:p>
-        </p:txBody>
-      </p:sp>
-      <p:sp>
-        <p:nvSpPr>
-          <p:cNvPr id="49" name="48 Elipse"/>
-          <p:cNvSpPr/>
-          <p:nvPr/>
-        </p:nvSpPr>
-        <p:spPr>
-          <a:xfrm>
-            <a:off x="467544" y="1340768"/>
-            <a:ext cx="144016" cy="144016"/>
-          </a:xfrm>
-          <a:prstGeom prst="ellipse">
-            <a:avLst/>
-          </a:prstGeom>
-          <a:noFill/>
-        </p:spPr>
-        <p:style>
-          <a:lnRef idx="2">
-            <a:schemeClr val="accent1">
-              <a:shade val="50000"/>
-            </a:schemeClr>
-          </a:lnRef>
-          <a:fillRef idx="1">
-            <a:schemeClr val="accent1"/>
-          </a:fillRef>
-          <a:effectRef idx="0">
-            <a:schemeClr val="accent1"/>
-          </a:effectRef>
-          <a:fontRef idx="minor">
-            <a:schemeClr val="lt1"/>
-          </a:fontRef>
-        </p:style>
-        <p:txBody>
-          <a:bodyPr rtlCol="0" anchor="ctr"/>
-          <a:lstStyle/>
-          <a:p>
-            <a:pPr algn="ctr"/>
-            <a:endParaRPr lang="es-ES"/>
-          </a:p>
-        </p:txBody>
-      </p:sp>
-      <p:sp>
-        <p:nvSpPr>
-          <p:cNvPr id="50" name="49 Elipse"/>
-          <p:cNvSpPr/>
-          <p:nvPr/>
-        </p:nvSpPr>
-        <p:spPr>
-          <a:xfrm>
-            <a:off x="1259632" y="1340768"/>
-            <a:ext cx="144016" cy="144016"/>
-          </a:xfrm>
-          <a:prstGeom prst="ellipse">
-            <a:avLst/>
-          </a:prstGeom>
-          <a:noFill/>
-        </p:spPr>
-        <p:style>
-          <a:lnRef idx="2">
-            <a:schemeClr val="accent1">
-              <a:shade val="50000"/>
-            </a:schemeClr>
-          </a:lnRef>
-          <a:fillRef idx="1">
-            <a:schemeClr val="accent1"/>
-          </a:fillRef>
-          <a:effectRef idx="0">
-            <a:schemeClr val="accent1"/>
-          </a:effectRef>
-          <a:fontRef idx="minor">
-            <a:schemeClr val="lt1"/>
-          </a:fontRef>
-        </p:style>
-        <p:txBody>
-          <a:bodyPr rtlCol="0" anchor="ctr"/>
-          <a:lstStyle/>
-          <a:p>
-            <a:pPr algn="ctr"/>
-            <a:endParaRPr lang="es-ES"/>
-          </a:p>
-        </p:txBody>
-      </p:sp>
-      <p:sp>
-        <p:nvSpPr>
-          <p:cNvPr id="52" name="51 Elipse"/>
-          <p:cNvSpPr/>
-          <p:nvPr/>
-        </p:nvSpPr>
-        <p:spPr>
-          <a:xfrm>
-            <a:off x="2051720" y="1340768"/>
-            <a:ext cx="144016" cy="144016"/>
-          </a:xfrm>
-          <a:prstGeom prst="ellipse">
-            <a:avLst/>
-          </a:prstGeom>
-          <a:noFill/>
-        </p:spPr>
-        <p:style>
-          <a:lnRef idx="2">
-            <a:schemeClr val="accent1">
-              <a:shade val="50000"/>
-            </a:schemeClr>
-          </a:lnRef>
-          <a:fillRef idx="1">
-            <a:schemeClr val="accent1"/>
-          </a:fillRef>
-          <a:effectRef idx="0">
-            <a:schemeClr val="accent1"/>
-          </a:effectRef>
-          <a:fontRef idx="minor">
-            <a:schemeClr val="lt1"/>
-          </a:fontRef>
-        </p:style>
-        <p:txBody>
-          <a:bodyPr rtlCol="0" anchor="ctr"/>
-          <a:lstStyle/>
-          <a:p>
-            <a:pPr algn="ctr"/>
-            <a:endParaRPr lang="es-ES"/>
-          </a:p>
-        </p:txBody>
-      </p:sp>
-      <p:sp>
-        <p:nvSpPr>
-          <p:cNvPr id="53" name="52 Elipse"/>
-          <p:cNvSpPr/>
-          <p:nvPr/>
-        </p:nvSpPr>
-        <p:spPr>
-          <a:xfrm>
-            <a:off x="467544" y="1988840"/>
-            <a:ext cx="144016" cy="144016"/>
-          </a:xfrm>
-          <a:prstGeom prst="ellipse">
-            <a:avLst/>
-          </a:prstGeom>
-          <a:noFill/>
-        </p:spPr>
-        <p:style>
-          <a:lnRef idx="2">
-            <a:schemeClr val="accent1">
-              <a:shade val="50000"/>
-            </a:schemeClr>
-          </a:lnRef>
-          <a:fillRef idx="1">
-            <a:schemeClr val="accent1"/>
-          </a:fillRef>
-          <a:effectRef idx="0">
-            <a:schemeClr val="accent1"/>
-          </a:effectRef>
-          <a:fontRef idx="minor">
-            <a:schemeClr val="lt1"/>
-          </a:fontRef>
-        </p:style>
-        <p:txBody>
-          <a:bodyPr rtlCol="0" anchor="ctr"/>
-          <a:lstStyle/>
-          <a:p>
-            <a:pPr algn="ctr"/>
-            <a:endParaRPr lang="es-ES"/>
-          </a:p>
-        </p:txBody>
-      </p:sp>
-      <p:sp>
-        <p:nvSpPr>
-          <p:cNvPr id="55" name="54 CuadroTexto"/>
-          <p:cNvSpPr txBox="1"/>
-          <p:nvPr/>
-        </p:nvSpPr>
-        <p:spPr>
-          <a:xfrm>
-            <a:off x="611560" y="2636912"/>
-            <a:ext cx="747320" cy="276999"/>
-          </a:xfrm>
-          <a:prstGeom prst="rect">
-            <a:avLst/>
-          </a:prstGeom>
-          <a:noFill/>
-        </p:spPr>
-        <p:txBody>
-          <a:bodyPr wrap="none" rtlCol="0">
-            <a:spAutoFit/>
-          </a:bodyPr>
-          <a:lstStyle/>
-          <a:p>
-            <a:r>
-              <a:rPr lang="es-ES_tradnl" sz="1200" dirty="0" smtClean="0"/>
-              <a:t>+ </a:t>
-            </a:r>
-            <a:r>
-              <a:rPr lang="es-ES_tradnl" sz="1200" dirty="0" err="1" smtClean="0"/>
-              <a:t>Diode</a:t>
-            </a:r>
-            <a:r>
-              <a:rPr lang="es-ES_tradnl" sz="1200" dirty="0" smtClean="0"/>
-              <a:t> -</a:t>
-            </a:r>
-            <a:endParaRPr lang="es-ES" sz="1200" dirty="0"/>
-          </a:p>
-        </p:txBody>
-      </p:sp>
-      <p:sp>
-        <p:nvSpPr>
-          <p:cNvPr id="56" name="55 CuadroTexto"/>
-          <p:cNvSpPr txBox="1"/>
-          <p:nvPr/>
-        </p:nvSpPr>
-        <p:spPr>
-          <a:xfrm>
-            <a:off x="251520" y="1052736"/>
-            <a:ext cx="394916" cy="276999"/>
-          </a:xfrm>
-          <a:prstGeom prst="rect">
-            <a:avLst/>
-          </a:prstGeom>
-          <a:noFill/>
-        </p:spPr>
-        <p:txBody>
-          <a:bodyPr wrap="none" rtlCol="0">
-            <a:spAutoFit/>
-          </a:bodyPr>
-          <a:lstStyle/>
-          <a:p>
-            <a:r>
-              <a:rPr lang="es-ES_tradnl" sz="1200" dirty="0" err="1" smtClean="0"/>
-              <a:t>Vcc</a:t>
-            </a:r>
-            <a:endParaRPr lang="es-ES" sz="1200" dirty="0"/>
-          </a:p>
-        </p:txBody>
-      </p:sp>
-      <p:sp>
-        <p:nvSpPr>
-          <p:cNvPr id="57" name="56 CuadroTexto"/>
-          <p:cNvSpPr txBox="1"/>
-          <p:nvPr/>
-        </p:nvSpPr>
-        <p:spPr>
-          <a:xfrm>
-            <a:off x="1043608" y="1052736"/>
-            <a:ext cx="442750" cy="276999"/>
-          </a:xfrm>
-          <a:prstGeom prst="rect">
-            <a:avLst/>
-          </a:prstGeom>
-          <a:noFill/>
-        </p:spPr>
-        <p:txBody>
-          <a:bodyPr wrap="none" rtlCol="0">
-            <a:spAutoFit/>
-          </a:bodyPr>
-          <a:lstStyle/>
-          <a:p>
-            <a:r>
-              <a:rPr lang="es-ES_tradnl" sz="1200" dirty="0" err="1" smtClean="0"/>
-              <a:t>Gnd</a:t>
-            </a:r>
-            <a:endParaRPr lang="es-ES" sz="1200" dirty="0"/>
-          </a:p>
-        </p:txBody>
-      </p:sp>
-      <p:sp>
-        <p:nvSpPr>
-          <p:cNvPr id="60" name="59 CuadroTexto"/>
-          <p:cNvSpPr txBox="1"/>
-          <p:nvPr/>
-        </p:nvSpPr>
-        <p:spPr>
-          <a:xfrm>
-            <a:off x="1835696" y="1052736"/>
-            <a:ext cx="454548" cy="276999"/>
-          </a:xfrm>
-          <a:prstGeom prst="rect">
-            <a:avLst/>
-          </a:prstGeom>
-          <a:noFill/>
-        </p:spPr>
-        <p:txBody>
-          <a:bodyPr wrap="none" rtlCol="0">
-            <a:spAutoFit/>
-          </a:bodyPr>
-          <a:lstStyle/>
-          <a:p>
-            <a:r>
-              <a:rPr lang="es-ES_tradnl" sz="1200" dirty="0" smtClean="0"/>
-              <a:t>/</a:t>
-            </a:r>
-            <a:r>
-              <a:rPr lang="es-ES_tradnl" sz="1200" dirty="0" err="1" smtClean="0"/>
-              <a:t>out</a:t>
-            </a:r>
-            <a:endParaRPr lang="es-ES" sz="1200" dirty="0"/>
-          </a:p>
-        </p:txBody>
-      </p:sp>
-      <p:sp>
-        <p:nvSpPr>
-          <p:cNvPr id="62" name="61 CuadroTexto"/>
-          <p:cNvSpPr txBox="1"/>
-          <p:nvPr/>
-        </p:nvSpPr>
-        <p:spPr>
-          <a:xfrm>
-            <a:off x="395536" y="332656"/>
-            <a:ext cx="1984710" cy="461665"/>
-          </a:xfrm>
-          <a:prstGeom prst="rect">
-            <a:avLst/>
-          </a:prstGeom>
-          <a:noFill/>
-        </p:spPr>
-        <p:txBody>
-          <a:bodyPr wrap="none" rtlCol="0">
-            <a:spAutoFit/>
-          </a:bodyPr>
-          <a:lstStyle/>
-          <a:p>
-            <a:r>
-              <a:rPr lang="es-ES_tradnl" sz="1200" dirty="0" err="1" smtClean="0"/>
-              <a:t>Optoacoplador</a:t>
-            </a:r>
-            <a:r>
-              <a:rPr lang="es-ES_tradnl" sz="1200" dirty="0" smtClean="0"/>
-              <a:t> interno de la </a:t>
-            </a:r>
-          </a:p>
-          <a:p>
-            <a:r>
-              <a:rPr lang="es-ES_tradnl" sz="1200" dirty="0" smtClean="0"/>
-              <a:t>Entrada MIDI del FCB1010</a:t>
-            </a:r>
-            <a:endParaRPr lang="es-ES" sz="1200" dirty="0"/>
-          </a:p>
-        </p:txBody>
-      </p:sp>
       <p:pic>
         <p:nvPicPr>
           <p:cNvPr id="2052" name="Picture 4" descr="https://0486607c-a-62cb3a1a-s-sites.googlegroups.com/site/fcb1010phantompower/home/18.jpg?attachauth=ANoY7crqK65QhZU2Y2wXaiFqRkpUrqSIIF3e6jlVXC0NADRQreqVbz5fZJbY1Bay5eUEgmOBsV7Fm2o89G33u3l-7Nu3fT3aonYH5ACovAAXO2ZlXxHZ7YtxCUBAfnWjlbSRkWUMIBTFYi0n8jnDFW4E2HCZoMKyAsmYMHac96Q3QkJ_SXIkbIw9FFEPYzlONhB_KCOu82JYAiBuwTBFZ71wAdjmPyuwqg%3D%3D&amp;attredirects=0"/>
@@ -3580,8 +3077,8 @@
         </p:blipFill>
         <p:spPr bwMode="auto">
           <a:xfrm>
-            <a:off x="755576" y="3429000"/>
-            <a:ext cx="6048672" cy="2520280"/>
+            <a:off x="-1" y="0"/>
+            <a:ext cx="6328589" cy="2636912"/>
           </a:xfrm>
           <a:prstGeom prst="rect">
             <a:avLst/>
@@ -3597,10 +3094,10 @@
         </p:nvGrpSpPr>
         <p:grpSpPr>
           <a:xfrm>
-            <a:off x="4788024" y="31913"/>
-            <a:ext cx="3856153" cy="3037047"/>
-            <a:chOff x="6084168" y="1052736"/>
-            <a:chExt cx="2560009" cy="2016224"/>
+            <a:off x="6444209" y="0"/>
+            <a:ext cx="2699793" cy="2893031"/>
+            <a:chOff x="6707165" y="1052736"/>
+            <a:chExt cx="1937012" cy="2016224"/>
           </a:xfrm>
         </p:grpSpPr>
         <p:pic>
@@ -3613,15 +3110,15 @@
           </p:nvPicPr>
           <p:blipFill>
             <a:blip r:embed="rId3" cstate="print"/>
-            <a:srcRect l="22909" t="6107" r="45019" b="59697"/>
+            <a:srcRect l="30837" t="6107" r="45019" b="59697"/>
             <a:stretch>
               <a:fillRect/>
             </a:stretch>
           </p:blipFill>
           <p:spPr bwMode="auto">
             <a:xfrm>
-              <a:off x="6084168" y="1052736"/>
-              <a:ext cx="2520280" cy="2016224"/>
+              <a:off x="6707165" y="1052736"/>
+              <a:ext cx="1897283" cy="2016224"/>
             </a:xfrm>
             <a:prstGeom prst="rect">
               <a:avLst/>
@@ -3684,8 +3181,8 @@
         </p:nvSpPr>
         <p:spPr>
           <a:xfrm>
-            <a:off x="5364088" y="3573016"/>
-            <a:ext cx="1944216" cy="936104"/>
+            <a:off x="5292080" y="0"/>
+            <a:ext cx="1224136" cy="936104"/>
           </a:xfrm>
           <a:prstGeom prst="ellipse">
             <a:avLst/>
@@ -3726,14 +3223,15 @@
         <p:nvCxnSpPr>
           <p:cNvPr id="22" name="21 Conector recto de flecha"/>
           <p:cNvCxnSpPr>
-            <a:stCxn id="20" idx="0"/>
+            <a:stCxn id="20" idx="5"/>
+            <a:endCxn id="18" idx="1"/>
           </p:cNvCxnSpPr>
           <p:nvPr/>
         </p:nvCxnSpPr>
         <p:spPr>
-          <a:xfrm flipV="1">
-            <a:off x="6336196" y="2708920"/>
-            <a:ext cx="756084" cy="864096"/>
+          <a:xfrm>
+            <a:off x="6336945" y="799015"/>
+            <a:ext cx="1389131" cy="667823"/>
           </a:xfrm>
           <a:prstGeom prst="straightConnector1">
             <a:avLst/>
@@ -3741,7 +3239,8 @@
           <a:ln w="34925">
             <a:solidFill>
               <a:schemeClr val="accent3">
-                <a:lumMod val="75000"/>
+                <a:lumMod val="20000"/>
+                <a:lumOff val="80000"/>
               </a:schemeClr>
             </a:solidFill>
             <a:tailEnd type="arrow"/>
@@ -3762,6 +3261,708 @@
           </a:fontRef>
         </p:style>
       </p:cxnSp>
+      <p:grpSp>
+        <p:nvGrpSpPr>
+          <p:cNvPr id="28" name="27 Grupo"/>
+          <p:cNvGrpSpPr/>
+          <p:nvPr/>
+        </p:nvGrpSpPr>
+        <p:grpSpPr>
+          <a:xfrm>
+            <a:off x="107504" y="2924944"/>
+            <a:ext cx="8820472" cy="3791399"/>
+            <a:chOff x="323528" y="3066601"/>
+            <a:chExt cx="8820472" cy="3791399"/>
+          </a:xfrm>
+        </p:grpSpPr>
+        <p:pic>
+          <p:nvPicPr>
+            <p:cNvPr id="29" name="28 Imagen" descr="Imagen2.png"/>
+            <p:cNvPicPr>
+              <a:picLocks noChangeAspect="1"/>
+            </p:cNvPicPr>
+            <p:nvPr/>
+          </p:nvPicPr>
+          <p:blipFill>
+            <a:blip r:embed="rId4" cstate="print"/>
+            <a:stretch>
+              <a:fillRect/>
+            </a:stretch>
+          </p:blipFill>
+          <p:spPr>
+            <a:xfrm>
+              <a:off x="4273698" y="3066601"/>
+              <a:ext cx="4870302" cy="3791399"/>
+            </a:xfrm>
+            <a:prstGeom prst="rect">
+              <a:avLst/>
+            </a:prstGeom>
+          </p:spPr>
+        </p:pic>
+        <p:grpSp>
+          <p:nvGrpSpPr>
+            <p:cNvPr id="30" name="15 Grupo"/>
+            <p:cNvGrpSpPr/>
+            <p:nvPr/>
+          </p:nvGrpSpPr>
+          <p:grpSpPr>
+            <a:xfrm>
+              <a:off x="1403648" y="4794793"/>
+              <a:ext cx="288032" cy="936104"/>
+              <a:chOff x="6588224" y="2492896"/>
+              <a:chExt cx="288032" cy="936104"/>
+            </a:xfrm>
+          </p:grpSpPr>
+          <p:sp>
+            <p:nvSpPr>
+              <p:cNvPr id="43" name="42 Rectángulo"/>
+              <p:cNvSpPr/>
+              <p:nvPr/>
+            </p:nvSpPr>
+            <p:spPr>
+              <a:xfrm>
+                <a:off x="6588224" y="2492896"/>
+                <a:ext cx="288032" cy="936104"/>
+              </a:xfrm>
+              <a:prstGeom prst="rect">
+                <a:avLst/>
+              </a:prstGeom>
+              <a:solidFill>
+                <a:schemeClr val="accent1">
+                  <a:alpha val="25000"/>
+                </a:schemeClr>
+              </a:solidFill>
+            </p:spPr>
+            <p:style>
+              <a:lnRef idx="2">
+                <a:schemeClr val="accent1">
+                  <a:shade val="50000"/>
+                </a:schemeClr>
+              </a:lnRef>
+              <a:fillRef idx="1">
+                <a:schemeClr val="accent1"/>
+              </a:fillRef>
+              <a:effectRef idx="0">
+                <a:schemeClr val="accent1"/>
+              </a:effectRef>
+              <a:fontRef idx="minor">
+                <a:schemeClr val="lt1"/>
+              </a:fontRef>
+            </p:style>
+            <p:txBody>
+              <a:bodyPr rtlCol="0" anchor="ctr"/>
+              <a:lstStyle/>
+              <a:p>
+                <a:pPr algn="ctr"/>
+                <a:endParaRPr lang="es-ES"/>
+              </a:p>
+            </p:txBody>
+          </p:sp>
+          <p:sp>
+            <p:nvSpPr>
+              <p:cNvPr id="44" name="43 Elipse"/>
+              <p:cNvSpPr/>
+              <p:nvPr/>
+            </p:nvSpPr>
+            <p:spPr>
+              <a:xfrm>
+                <a:off x="6660232" y="2564904"/>
+                <a:ext cx="144016" cy="144016"/>
+              </a:xfrm>
+              <a:prstGeom prst="ellipse">
+                <a:avLst/>
+              </a:prstGeom>
+              <a:solidFill>
+                <a:srgbClr val="C00000"/>
+              </a:solidFill>
+            </p:spPr>
+            <p:style>
+              <a:lnRef idx="2">
+                <a:schemeClr val="accent1">
+                  <a:shade val="50000"/>
+                </a:schemeClr>
+              </a:lnRef>
+              <a:fillRef idx="1">
+                <a:schemeClr val="accent1"/>
+              </a:fillRef>
+              <a:effectRef idx="0">
+                <a:schemeClr val="accent1"/>
+              </a:effectRef>
+              <a:fontRef idx="minor">
+                <a:schemeClr val="lt1"/>
+              </a:fontRef>
+            </p:style>
+            <p:txBody>
+              <a:bodyPr rtlCol="0" anchor="ctr"/>
+              <a:lstStyle/>
+              <a:p>
+                <a:pPr algn="ctr"/>
+                <a:endParaRPr lang="es-ES"/>
+              </a:p>
+            </p:txBody>
+          </p:sp>
+          <p:sp>
+            <p:nvSpPr>
+              <p:cNvPr id="51" name="50 Elipse"/>
+              <p:cNvSpPr/>
+              <p:nvPr/>
+            </p:nvSpPr>
+            <p:spPr>
+              <a:xfrm>
+                <a:off x="6660232" y="2780928"/>
+                <a:ext cx="144016" cy="144016"/>
+              </a:xfrm>
+              <a:prstGeom prst="ellipse">
+                <a:avLst/>
+              </a:prstGeom>
+              <a:noFill/>
+            </p:spPr>
+            <p:style>
+              <a:lnRef idx="2">
+                <a:schemeClr val="accent1">
+                  <a:shade val="50000"/>
+                </a:schemeClr>
+              </a:lnRef>
+              <a:fillRef idx="1">
+                <a:schemeClr val="accent1"/>
+              </a:fillRef>
+              <a:effectRef idx="0">
+                <a:schemeClr val="accent1"/>
+              </a:effectRef>
+              <a:fontRef idx="minor">
+                <a:schemeClr val="lt1"/>
+              </a:fontRef>
+            </p:style>
+            <p:txBody>
+              <a:bodyPr rtlCol="0" anchor="ctr"/>
+              <a:lstStyle/>
+              <a:p>
+                <a:pPr algn="ctr"/>
+                <a:endParaRPr lang="es-ES"/>
+              </a:p>
+            </p:txBody>
+          </p:sp>
+          <p:sp>
+            <p:nvSpPr>
+              <p:cNvPr id="54" name="53 Elipse"/>
+              <p:cNvSpPr/>
+              <p:nvPr/>
+            </p:nvSpPr>
+            <p:spPr>
+              <a:xfrm>
+                <a:off x="6660232" y="2996952"/>
+                <a:ext cx="144016" cy="144016"/>
+              </a:xfrm>
+              <a:prstGeom prst="ellipse">
+                <a:avLst/>
+              </a:prstGeom>
+              <a:noFill/>
+            </p:spPr>
+            <p:style>
+              <a:lnRef idx="2">
+                <a:schemeClr val="accent1">
+                  <a:shade val="50000"/>
+                </a:schemeClr>
+              </a:lnRef>
+              <a:fillRef idx="1">
+                <a:schemeClr val="accent1"/>
+              </a:fillRef>
+              <a:effectRef idx="0">
+                <a:schemeClr val="accent1"/>
+              </a:effectRef>
+              <a:fontRef idx="minor">
+                <a:schemeClr val="lt1"/>
+              </a:fontRef>
+            </p:style>
+            <p:txBody>
+              <a:bodyPr rtlCol="0" anchor="ctr"/>
+              <a:lstStyle/>
+              <a:p>
+                <a:pPr algn="ctr"/>
+                <a:endParaRPr lang="es-ES"/>
+              </a:p>
+            </p:txBody>
+          </p:sp>
+          <p:sp>
+            <p:nvSpPr>
+              <p:cNvPr id="58" name="57 Elipse"/>
+              <p:cNvSpPr/>
+              <p:nvPr/>
+            </p:nvSpPr>
+            <p:spPr>
+              <a:xfrm>
+                <a:off x="6660232" y="3212976"/>
+                <a:ext cx="144016" cy="144016"/>
+              </a:xfrm>
+              <a:prstGeom prst="ellipse">
+                <a:avLst/>
+              </a:prstGeom>
+              <a:noFill/>
+            </p:spPr>
+            <p:style>
+              <a:lnRef idx="2">
+                <a:schemeClr val="accent1">
+                  <a:shade val="50000"/>
+                </a:schemeClr>
+              </a:lnRef>
+              <a:fillRef idx="1">
+                <a:schemeClr val="accent1"/>
+              </a:fillRef>
+              <a:effectRef idx="0">
+                <a:schemeClr val="accent1"/>
+              </a:effectRef>
+              <a:fontRef idx="minor">
+                <a:schemeClr val="lt1"/>
+              </a:fontRef>
+            </p:style>
+            <p:txBody>
+              <a:bodyPr rtlCol="0" anchor="ctr"/>
+              <a:lstStyle/>
+              <a:p>
+                <a:pPr algn="ctr"/>
+                <a:endParaRPr lang="es-ES"/>
+              </a:p>
+            </p:txBody>
+          </p:sp>
+        </p:grpSp>
+        <p:sp>
+          <p:nvSpPr>
+            <p:cNvPr id="31" name="30 Rectángulo"/>
+            <p:cNvSpPr/>
+            <p:nvPr/>
+          </p:nvSpPr>
+          <p:spPr>
+            <a:xfrm>
+              <a:off x="2987824" y="4074713"/>
+              <a:ext cx="864096" cy="2304256"/>
+            </a:xfrm>
+            <a:prstGeom prst="rect">
+              <a:avLst/>
+            </a:prstGeom>
+          </p:spPr>
+          <p:style>
+            <a:lnRef idx="2">
+              <a:schemeClr val="accent1">
+                <a:shade val="50000"/>
+              </a:schemeClr>
+            </a:lnRef>
+            <a:fillRef idx="1">
+              <a:schemeClr val="accent1"/>
+            </a:fillRef>
+            <a:effectRef idx="0">
+              <a:schemeClr val="accent1"/>
+            </a:effectRef>
+            <a:fontRef idx="minor">
+              <a:schemeClr val="lt1"/>
+            </a:fontRef>
+          </p:style>
+          <p:txBody>
+            <a:bodyPr rtlCol="0" anchor="ctr"/>
+            <a:lstStyle/>
+            <a:p>
+              <a:pPr algn="ctr"/>
+              <a:r>
+                <a:rPr lang="es-ES_tradnl" dirty="0" smtClean="0"/>
+                <a:t>5V</a:t>
+              </a:r>
+            </a:p>
+            <a:p>
+              <a:pPr algn="ctr"/>
+              <a:r>
+                <a:rPr lang="es-ES_tradnl" dirty="0" smtClean="0"/>
+                <a:t> </a:t>
+              </a:r>
+              <a:r>
+                <a:rPr lang="es-ES_tradnl" dirty="0" err="1" smtClean="0"/>
+                <a:t>to</a:t>
+              </a:r>
+              <a:r>
+                <a:rPr lang="es-ES_tradnl" dirty="0" smtClean="0"/>
+                <a:t>  </a:t>
+              </a:r>
+            </a:p>
+            <a:p>
+              <a:pPr algn="ctr"/>
+              <a:r>
+                <a:rPr lang="es-ES_tradnl" dirty="0" smtClean="0"/>
+                <a:t>3.3V</a:t>
+              </a:r>
+              <a:endParaRPr lang="es-ES" dirty="0"/>
+            </a:p>
+          </p:txBody>
+        </p:sp>
+        <p:sp>
+          <p:nvSpPr>
+            <p:cNvPr id="32" name="31 CuadroTexto"/>
+            <p:cNvSpPr txBox="1"/>
+            <p:nvPr/>
+          </p:nvSpPr>
+          <p:spPr>
+            <a:xfrm>
+              <a:off x="539552" y="4794793"/>
+              <a:ext cx="853119" cy="307777"/>
+            </a:xfrm>
+            <a:prstGeom prst="rect">
+              <a:avLst/>
+            </a:prstGeom>
+            <a:noFill/>
+          </p:spPr>
+          <p:txBody>
+            <a:bodyPr wrap="none" rtlCol="0">
+              <a:spAutoFit/>
+            </a:bodyPr>
+            <a:lstStyle/>
+            <a:p>
+              <a:r>
+                <a:rPr lang="es-ES" sz="1400" dirty="0" smtClean="0"/>
+                <a:t>MIDI </a:t>
+              </a:r>
+              <a:r>
+                <a:rPr lang="es-ES" sz="1400" dirty="0" err="1" smtClean="0"/>
+                <a:t>Out</a:t>
+              </a:r>
+              <a:endParaRPr lang="es-ES" sz="1400" dirty="0"/>
+            </a:p>
+          </p:txBody>
+        </p:sp>
+        <p:sp>
+          <p:nvSpPr>
+            <p:cNvPr id="33" name="32 CuadroTexto"/>
+            <p:cNvSpPr txBox="1"/>
+            <p:nvPr/>
+          </p:nvSpPr>
+          <p:spPr>
+            <a:xfrm>
+              <a:off x="674205" y="5010817"/>
+              <a:ext cx="718466" cy="307777"/>
+            </a:xfrm>
+            <a:prstGeom prst="rect">
+              <a:avLst/>
+            </a:prstGeom>
+            <a:noFill/>
+          </p:spPr>
+          <p:txBody>
+            <a:bodyPr wrap="none" rtlCol="0">
+              <a:spAutoFit/>
+            </a:bodyPr>
+            <a:lstStyle/>
+            <a:p>
+              <a:r>
+                <a:rPr lang="es-ES" sz="1400" dirty="0" smtClean="0"/>
+                <a:t>MIDI In</a:t>
+              </a:r>
+              <a:endParaRPr lang="es-ES" sz="1400" dirty="0"/>
+            </a:p>
+          </p:txBody>
+        </p:sp>
+        <p:sp>
+          <p:nvSpPr>
+            <p:cNvPr id="34" name="33 CuadroTexto"/>
+            <p:cNvSpPr txBox="1"/>
+            <p:nvPr/>
+          </p:nvSpPr>
+          <p:spPr>
+            <a:xfrm>
+              <a:off x="924273" y="5226841"/>
+              <a:ext cx="468398" cy="307777"/>
+            </a:xfrm>
+            <a:prstGeom prst="rect">
+              <a:avLst/>
+            </a:prstGeom>
+            <a:noFill/>
+          </p:spPr>
+          <p:txBody>
+            <a:bodyPr wrap="none" rtlCol="0">
+              <a:spAutoFit/>
+            </a:bodyPr>
+            <a:lstStyle/>
+            <a:p>
+              <a:r>
+                <a:rPr lang="es-ES" sz="1400" dirty="0" smtClean="0"/>
+                <a:t>+5V</a:t>
+              </a:r>
+              <a:endParaRPr lang="es-ES" sz="1400" dirty="0"/>
+            </a:p>
+          </p:txBody>
+        </p:sp>
+        <p:sp>
+          <p:nvSpPr>
+            <p:cNvPr id="35" name="34 CuadroTexto"/>
+            <p:cNvSpPr txBox="1"/>
+            <p:nvPr/>
+          </p:nvSpPr>
+          <p:spPr>
+            <a:xfrm>
+              <a:off x="905037" y="5442865"/>
+              <a:ext cx="487634" cy="307777"/>
+            </a:xfrm>
+            <a:prstGeom prst="rect">
+              <a:avLst/>
+            </a:prstGeom>
+            <a:noFill/>
+          </p:spPr>
+          <p:txBody>
+            <a:bodyPr wrap="none" rtlCol="0">
+              <a:spAutoFit/>
+            </a:bodyPr>
+            <a:lstStyle/>
+            <a:p>
+              <a:r>
+                <a:rPr lang="es-ES" sz="1400" dirty="0" err="1" smtClean="0"/>
+                <a:t>Gnd</a:t>
+              </a:r>
+              <a:endParaRPr lang="es-ES" sz="1400" dirty="0"/>
+            </a:p>
+          </p:txBody>
+        </p:sp>
+        <p:sp>
+          <p:nvSpPr>
+            <p:cNvPr id="36" name="35 CuadroTexto"/>
+            <p:cNvSpPr txBox="1"/>
+            <p:nvPr/>
+          </p:nvSpPr>
+          <p:spPr>
+            <a:xfrm>
+              <a:off x="323528" y="3717032"/>
+              <a:ext cx="1542474" cy="461665"/>
+            </a:xfrm>
+            <a:prstGeom prst="rect">
+              <a:avLst/>
+            </a:prstGeom>
+            <a:noFill/>
+          </p:spPr>
+          <p:txBody>
+            <a:bodyPr wrap="none" rtlCol="0">
+              <a:spAutoFit/>
+            </a:bodyPr>
+            <a:lstStyle/>
+            <a:p>
+              <a:pPr algn="ctr"/>
+              <a:r>
+                <a:rPr lang="es-ES" sz="1200" i="1" dirty="0" smtClean="0"/>
+                <a:t>FCB1010</a:t>
+              </a:r>
+            </a:p>
+            <a:p>
+              <a:pPr algn="ctr"/>
+              <a:r>
+                <a:rPr lang="es-ES" sz="1200" i="1" dirty="0" smtClean="0"/>
+                <a:t>MIDI </a:t>
+              </a:r>
+              <a:r>
+                <a:rPr lang="es-ES" sz="1200" i="1" dirty="0" err="1" smtClean="0"/>
+                <a:t>board</a:t>
+              </a:r>
+              <a:r>
+                <a:rPr lang="es-ES" sz="1200" i="1" dirty="0" smtClean="0"/>
+                <a:t> </a:t>
+              </a:r>
+              <a:r>
+                <a:rPr lang="es-ES" sz="1200" i="1" dirty="0" err="1" smtClean="0"/>
+                <a:t>connector</a:t>
+              </a:r>
+              <a:endParaRPr lang="es-ES" sz="1200" i="1" dirty="0"/>
+            </a:p>
+          </p:txBody>
+        </p:sp>
+        <p:cxnSp>
+          <p:nvCxnSpPr>
+            <p:cNvPr id="37" name="36 Conector angular"/>
+            <p:cNvCxnSpPr/>
+            <p:nvPr/>
+          </p:nvCxnSpPr>
+          <p:spPr>
+            <a:xfrm rot="5400000">
+              <a:off x="3491880" y="4146721"/>
+              <a:ext cx="1152128" cy="432048"/>
+            </a:xfrm>
+            <a:prstGeom prst="bentConnector3">
+              <a:avLst>
+                <a:gd name="adj1" fmla="val 99798"/>
+              </a:avLst>
+            </a:prstGeom>
+          </p:spPr>
+          <p:style>
+            <a:lnRef idx="1">
+              <a:schemeClr val="accent1"/>
+            </a:lnRef>
+            <a:fillRef idx="0">
+              <a:schemeClr val="accent1"/>
+            </a:fillRef>
+            <a:effectRef idx="0">
+              <a:schemeClr val="accent1"/>
+            </a:effectRef>
+            <a:fontRef idx="minor">
+              <a:schemeClr val="tx1"/>
+            </a:fontRef>
+          </p:style>
+        </p:cxnSp>
+        <p:cxnSp>
+          <p:nvCxnSpPr>
+            <p:cNvPr id="38" name="37 Conector angular"/>
+            <p:cNvCxnSpPr/>
+            <p:nvPr/>
+          </p:nvCxnSpPr>
+          <p:spPr>
+            <a:xfrm rot="16200000" flipV="1">
+              <a:off x="3383868" y="5838909"/>
+              <a:ext cx="1368152" cy="432048"/>
+            </a:xfrm>
+            <a:prstGeom prst="bentConnector3">
+              <a:avLst>
+                <a:gd name="adj1" fmla="val 100454"/>
+              </a:avLst>
+            </a:prstGeom>
+          </p:spPr>
+          <p:style>
+            <a:lnRef idx="1">
+              <a:schemeClr val="accent1"/>
+            </a:lnRef>
+            <a:fillRef idx="0">
+              <a:schemeClr val="accent1"/>
+            </a:fillRef>
+            <a:effectRef idx="0">
+              <a:schemeClr val="accent1"/>
+            </a:effectRef>
+            <a:fontRef idx="minor">
+              <a:schemeClr val="tx1"/>
+            </a:fontRef>
+          </p:style>
+        </p:cxnSp>
+        <p:cxnSp>
+          <p:nvCxnSpPr>
+            <p:cNvPr id="39" name="38 Conector recto"/>
+            <p:cNvCxnSpPr>
+              <a:stCxn id="54" idx="6"/>
+            </p:cNvCxnSpPr>
+            <p:nvPr/>
+          </p:nvCxnSpPr>
+          <p:spPr>
+            <a:xfrm>
+              <a:off x="1619672" y="5370857"/>
+              <a:ext cx="1368152" cy="0"/>
+            </a:xfrm>
+            <a:prstGeom prst="line">
+              <a:avLst/>
+            </a:prstGeom>
+          </p:spPr>
+          <p:style>
+            <a:lnRef idx="1">
+              <a:schemeClr val="accent1"/>
+            </a:lnRef>
+            <a:fillRef idx="0">
+              <a:schemeClr val="accent1"/>
+            </a:fillRef>
+            <a:effectRef idx="0">
+              <a:schemeClr val="accent1"/>
+            </a:effectRef>
+            <a:fontRef idx="minor">
+              <a:schemeClr val="tx1"/>
+            </a:fontRef>
+          </p:style>
+        </p:cxnSp>
+        <p:cxnSp>
+          <p:nvCxnSpPr>
+            <p:cNvPr id="40" name="39 Conector recto"/>
+            <p:cNvCxnSpPr>
+              <a:stCxn id="58" idx="6"/>
+            </p:cNvCxnSpPr>
+            <p:nvPr/>
+          </p:nvCxnSpPr>
+          <p:spPr>
+            <a:xfrm>
+              <a:off x="1619672" y="5586881"/>
+              <a:ext cx="1368152" cy="0"/>
+            </a:xfrm>
+            <a:prstGeom prst="line">
+              <a:avLst/>
+            </a:prstGeom>
+          </p:spPr>
+          <p:style>
+            <a:lnRef idx="1">
+              <a:schemeClr val="accent1"/>
+            </a:lnRef>
+            <a:fillRef idx="0">
+              <a:schemeClr val="accent1"/>
+            </a:fillRef>
+            <a:effectRef idx="0">
+              <a:schemeClr val="accent1"/>
+            </a:effectRef>
+            <a:fontRef idx="minor">
+              <a:schemeClr val="tx1"/>
+            </a:fontRef>
+          </p:style>
+        </p:cxnSp>
+        <p:cxnSp>
+          <p:nvCxnSpPr>
+            <p:cNvPr id="41" name="40 Conector angular"/>
+            <p:cNvCxnSpPr>
+              <a:stCxn id="44" idx="6"/>
+            </p:cNvCxnSpPr>
+            <p:nvPr/>
+          </p:nvCxnSpPr>
+          <p:spPr>
+            <a:xfrm flipV="1">
+              <a:off x="1619672" y="3324999"/>
+              <a:ext cx="2710281" cy="1613810"/>
+            </a:xfrm>
+            <a:prstGeom prst="bentConnector3">
+              <a:avLst>
+                <a:gd name="adj1" fmla="val 38754"/>
+              </a:avLst>
+            </a:prstGeom>
+          </p:spPr>
+          <p:style>
+            <a:lnRef idx="1">
+              <a:schemeClr val="accent1"/>
+            </a:lnRef>
+            <a:fillRef idx="0">
+              <a:schemeClr val="accent1"/>
+            </a:fillRef>
+            <a:effectRef idx="0">
+              <a:schemeClr val="accent1"/>
+            </a:effectRef>
+            <a:fontRef idx="minor">
+              <a:schemeClr val="tx1"/>
+            </a:fontRef>
+          </p:style>
+        </p:cxnSp>
+        <p:cxnSp>
+          <p:nvCxnSpPr>
+            <p:cNvPr id="42" name="41 Conector recto de flecha"/>
+            <p:cNvCxnSpPr>
+              <a:stCxn id="36" idx="2"/>
+            </p:cNvCxnSpPr>
+            <p:nvPr/>
+          </p:nvCxnSpPr>
+          <p:spPr>
+            <a:xfrm>
+              <a:off x="1094765" y="4178697"/>
+              <a:ext cx="380891" cy="474439"/>
+            </a:xfrm>
+            <a:prstGeom prst="straightConnector1">
+              <a:avLst/>
+            </a:prstGeom>
+            <a:ln>
+              <a:tailEnd type="arrow"/>
+            </a:ln>
+          </p:spPr>
+          <p:style>
+            <a:lnRef idx="1">
+              <a:schemeClr val="accent1"/>
+            </a:lnRef>
+            <a:fillRef idx="0">
+              <a:schemeClr val="accent1"/>
+            </a:fillRef>
+            <a:effectRef idx="0">
+              <a:schemeClr val="accent1"/>
+            </a:effectRef>
+            <a:fontRef idx="minor">
+              <a:schemeClr val="tx1"/>
+            </a:fontRef>
+          </p:style>
+        </p:cxnSp>
+      </p:grpSp>
     </p:spTree>
   </p:cSld>
   <p:clrMapOvr>
@@ -3789,30 +3990,6 @@
       </p:grpSpPr>
       <p:pic>
         <p:nvPicPr>
-          <p:cNvPr id="46" name="45 Imagen" descr="Imagen2.png"/>
-          <p:cNvPicPr>
-            <a:picLocks noChangeAspect="1"/>
-          </p:cNvPicPr>
-          <p:nvPr/>
-        </p:nvPicPr>
-        <p:blipFill>
-          <a:blip r:embed="rId2" cstate="print"/>
-          <a:stretch>
-            <a:fillRect/>
-          </a:stretch>
-        </p:blipFill>
-        <p:spPr>
-          <a:xfrm>
-            <a:off x="4273698" y="3066601"/>
-            <a:ext cx="4870302" cy="3791399"/>
-          </a:xfrm>
-          <a:prstGeom prst="rect">
-            <a:avLst/>
-          </a:prstGeom>
-        </p:spPr>
-      </p:pic>
-      <p:pic>
-        <p:nvPicPr>
           <p:cNvPr id="1029" name="Picture 5" descr="https://cdn.instructables.com/FT4/3DPW/ICE0BBHM/FT43DPWICE0BBHM.LARGE.jpg"/>
           <p:cNvPicPr>
             <a:picLocks noChangeAspect="1" noChangeArrowheads="1"/>
@@ -3820,7 +3997,7 @@
           <p:nvPr/>
         </p:nvPicPr>
         <p:blipFill>
-          <a:blip r:embed="rId3" cstate="print"/>
+          <a:blip r:embed="rId2" cstate="print"/>
           <a:srcRect/>
           <a:stretch>
             <a:fillRect/>
@@ -3839,118 +4016,30 @@
       </p:pic>
       <p:grpSp>
         <p:nvGrpSpPr>
-          <p:cNvPr id="16" name="15 Grupo"/>
+          <p:cNvPr id="31" name="30 Grupo"/>
           <p:cNvGrpSpPr/>
           <p:nvPr/>
         </p:nvGrpSpPr>
         <p:grpSpPr>
           <a:xfrm>
-            <a:off x="1403648" y="4794793"/>
-            <a:ext cx="288032" cy="936104"/>
-            <a:chOff x="6588224" y="2492896"/>
-            <a:chExt cx="288032" cy="936104"/>
+            <a:off x="179512" y="2492896"/>
+            <a:ext cx="2592288" cy="2520280"/>
+            <a:chOff x="107504" y="260648"/>
+            <a:chExt cx="2592288" cy="2520280"/>
           </a:xfrm>
         </p:grpSpPr>
         <p:sp>
           <p:nvSpPr>
-            <p:cNvPr id="18" name="17 Rectángulo"/>
+            <p:cNvPr id="33" name="32 Rectángulo"/>
             <p:cNvSpPr/>
             <p:nvPr/>
           </p:nvSpPr>
           <p:spPr>
             <a:xfrm>
-              <a:off x="6588224" y="2492896"/>
-              <a:ext cx="288032" cy="936104"/>
+              <a:off x="107504" y="260648"/>
+              <a:ext cx="2592288" cy="2520280"/>
             </a:xfrm>
             <a:prstGeom prst="rect">
-              <a:avLst/>
-            </a:prstGeom>
-            <a:solidFill>
-              <a:schemeClr val="accent1">
-                <a:alpha val="25000"/>
-              </a:schemeClr>
-            </a:solidFill>
-          </p:spPr>
-          <p:style>
-            <a:lnRef idx="2">
-              <a:schemeClr val="accent1">
-                <a:shade val="50000"/>
-              </a:schemeClr>
-            </a:lnRef>
-            <a:fillRef idx="1">
-              <a:schemeClr val="accent1"/>
-            </a:fillRef>
-            <a:effectRef idx="0">
-              <a:schemeClr val="accent1"/>
-            </a:effectRef>
-            <a:fontRef idx="minor">
-              <a:schemeClr val="lt1"/>
-            </a:fontRef>
-          </p:style>
-          <p:txBody>
-            <a:bodyPr rtlCol="0" anchor="ctr"/>
-            <a:lstStyle/>
-            <a:p>
-              <a:pPr algn="ctr"/>
-              <a:endParaRPr lang="es-ES"/>
-            </a:p>
-          </p:txBody>
-        </p:sp>
-        <p:sp>
-          <p:nvSpPr>
-            <p:cNvPr id="19" name="18 Elipse"/>
-            <p:cNvSpPr/>
-            <p:nvPr/>
-          </p:nvSpPr>
-          <p:spPr>
-            <a:xfrm>
-              <a:off x="6660232" y="2564904"/>
-              <a:ext cx="144016" cy="144016"/>
-            </a:xfrm>
-            <a:prstGeom prst="ellipse">
-              <a:avLst/>
-            </a:prstGeom>
-            <a:solidFill>
-              <a:srgbClr val="C00000"/>
-            </a:solidFill>
-          </p:spPr>
-          <p:style>
-            <a:lnRef idx="2">
-              <a:schemeClr val="accent1">
-                <a:shade val="50000"/>
-              </a:schemeClr>
-            </a:lnRef>
-            <a:fillRef idx="1">
-              <a:schemeClr val="accent1"/>
-            </a:fillRef>
-            <a:effectRef idx="0">
-              <a:schemeClr val="accent1"/>
-            </a:effectRef>
-            <a:fontRef idx="minor">
-              <a:schemeClr val="lt1"/>
-            </a:fontRef>
-          </p:style>
-          <p:txBody>
-            <a:bodyPr rtlCol="0" anchor="ctr"/>
-            <a:lstStyle/>
-            <a:p>
-              <a:pPr algn="ctr"/>
-              <a:endParaRPr lang="es-ES"/>
-            </a:p>
-          </p:txBody>
-        </p:sp>
-        <p:sp>
-          <p:nvSpPr>
-            <p:cNvPr id="20" name="19 Elipse"/>
-            <p:cNvSpPr/>
-            <p:nvPr/>
-          </p:nvSpPr>
-          <p:spPr>
-            <a:xfrm>
-              <a:off x="6660232" y="2780928"/>
-              <a:ext cx="144016" cy="144016"/>
-            </a:xfrm>
-            <a:prstGeom prst="ellipse">
               <a:avLst/>
             </a:prstGeom>
             <a:noFill/>
@@ -3980,527 +4069,528 @@
             </a:p>
           </p:txBody>
         </p:sp>
+        <p:grpSp>
+          <p:nvGrpSpPr>
+            <p:cNvPr id="34" name="20 Grupo"/>
+            <p:cNvGrpSpPr/>
+            <p:nvPr/>
+          </p:nvGrpSpPr>
+          <p:grpSpPr>
+            <a:xfrm>
+              <a:off x="323528" y="692696"/>
+              <a:ext cx="2038724" cy="1789167"/>
+              <a:chOff x="251520" y="1052736"/>
+              <a:chExt cx="2038724" cy="1789167"/>
+            </a:xfrm>
+          </p:grpSpPr>
+          <p:sp>
+            <p:nvSpPr>
+              <p:cNvPr id="36" name="35 Rectángulo"/>
+              <p:cNvSpPr/>
+              <p:nvPr/>
+            </p:nvSpPr>
+            <p:spPr>
+              <a:xfrm>
+                <a:off x="467544" y="1484784"/>
+                <a:ext cx="1728192" cy="1080120"/>
+              </a:xfrm>
+              <a:prstGeom prst="rect">
+                <a:avLst/>
+              </a:prstGeom>
+            </p:spPr>
+            <p:style>
+              <a:lnRef idx="2">
+                <a:schemeClr val="accent1">
+                  <a:shade val="50000"/>
+                </a:schemeClr>
+              </a:lnRef>
+              <a:fillRef idx="1">
+                <a:schemeClr val="accent1"/>
+              </a:fillRef>
+              <a:effectRef idx="0">
+                <a:schemeClr val="accent1"/>
+              </a:effectRef>
+              <a:fontRef idx="minor">
+                <a:schemeClr val="lt1"/>
+              </a:fontRef>
+            </p:style>
+            <p:txBody>
+              <a:bodyPr rtlCol="0" anchor="ctr"/>
+              <a:lstStyle/>
+              <a:p>
+                <a:pPr algn="ctr"/>
+                <a:r>
+                  <a:rPr lang="es-ES_tradnl" dirty="0" smtClean="0"/>
+                  <a:t>H11L1</a:t>
+                </a:r>
+                <a:endParaRPr lang="es-ES" dirty="0"/>
+              </a:p>
+            </p:txBody>
+          </p:sp>
+          <p:sp>
+            <p:nvSpPr>
+              <p:cNvPr id="38" name="37 Elipse"/>
+              <p:cNvSpPr/>
+              <p:nvPr/>
+            </p:nvSpPr>
+            <p:spPr>
+              <a:xfrm>
+                <a:off x="467544" y="2564904"/>
+                <a:ext cx="144016" cy="144016"/>
+              </a:xfrm>
+              <a:prstGeom prst="ellipse">
+                <a:avLst/>
+              </a:prstGeom>
+              <a:noFill/>
+            </p:spPr>
+            <p:style>
+              <a:lnRef idx="2">
+                <a:schemeClr val="accent1">
+                  <a:shade val="50000"/>
+                </a:schemeClr>
+              </a:lnRef>
+              <a:fillRef idx="1">
+                <a:schemeClr val="accent1"/>
+              </a:fillRef>
+              <a:effectRef idx="0">
+                <a:schemeClr val="accent1"/>
+              </a:effectRef>
+              <a:fontRef idx="minor">
+                <a:schemeClr val="lt1"/>
+              </a:fontRef>
+            </p:style>
+            <p:txBody>
+              <a:bodyPr rtlCol="0" anchor="ctr"/>
+              <a:lstStyle/>
+              <a:p>
+                <a:pPr algn="ctr"/>
+                <a:endParaRPr lang="es-ES"/>
+              </a:p>
+            </p:txBody>
+          </p:sp>
+          <p:sp>
+            <p:nvSpPr>
+              <p:cNvPr id="39" name="38 Elipse"/>
+              <p:cNvSpPr/>
+              <p:nvPr/>
+            </p:nvSpPr>
+            <p:spPr>
+              <a:xfrm>
+                <a:off x="1259632" y="2564904"/>
+                <a:ext cx="144016" cy="144016"/>
+              </a:xfrm>
+              <a:prstGeom prst="ellipse">
+                <a:avLst/>
+              </a:prstGeom>
+              <a:noFill/>
+            </p:spPr>
+            <p:style>
+              <a:lnRef idx="2">
+                <a:schemeClr val="accent1">
+                  <a:shade val="50000"/>
+                </a:schemeClr>
+              </a:lnRef>
+              <a:fillRef idx="1">
+                <a:schemeClr val="accent1"/>
+              </a:fillRef>
+              <a:effectRef idx="0">
+                <a:schemeClr val="accent1"/>
+              </a:effectRef>
+              <a:fontRef idx="minor">
+                <a:schemeClr val="lt1"/>
+              </a:fontRef>
+            </p:style>
+            <p:txBody>
+              <a:bodyPr rtlCol="0" anchor="ctr"/>
+              <a:lstStyle/>
+              <a:p>
+                <a:pPr algn="ctr"/>
+                <a:endParaRPr lang="es-ES"/>
+              </a:p>
+            </p:txBody>
+          </p:sp>
+          <p:sp>
+            <p:nvSpPr>
+              <p:cNvPr id="41" name="40 Elipse"/>
+              <p:cNvSpPr/>
+              <p:nvPr/>
+            </p:nvSpPr>
+            <p:spPr>
+              <a:xfrm>
+                <a:off x="2051720" y="2564904"/>
+                <a:ext cx="144016" cy="144016"/>
+              </a:xfrm>
+              <a:prstGeom prst="ellipse">
+                <a:avLst/>
+              </a:prstGeom>
+              <a:noFill/>
+            </p:spPr>
+            <p:style>
+              <a:lnRef idx="2">
+                <a:schemeClr val="accent1">
+                  <a:shade val="50000"/>
+                </a:schemeClr>
+              </a:lnRef>
+              <a:fillRef idx="1">
+                <a:schemeClr val="accent1"/>
+              </a:fillRef>
+              <a:effectRef idx="0">
+                <a:schemeClr val="accent1"/>
+              </a:effectRef>
+              <a:fontRef idx="minor">
+                <a:schemeClr val="lt1"/>
+              </a:fontRef>
+            </p:style>
+            <p:txBody>
+              <a:bodyPr rtlCol="0" anchor="ctr"/>
+              <a:lstStyle/>
+              <a:p>
+                <a:pPr algn="ctr"/>
+                <a:endParaRPr lang="es-ES"/>
+              </a:p>
+            </p:txBody>
+          </p:sp>
+          <p:sp>
+            <p:nvSpPr>
+              <p:cNvPr id="42" name="41 Elipse"/>
+              <p:cNvSpPr/>
+              <p:nvPr/>
+            </p:nvSpPr>
+            <p:spPr>
+              <a:xfrm>
+                <a:off x="467544" y="1340768"/>
+                <a:ext cx="144016" cy="144016"/>
+              </a:xfrm>
+              <a:prstGeom prst="ellipse">
+                <a:avLst/>
+              </a:prstGeom>
+              <a:noFill/>
+            </p:spPr>
+            <p:style>
+              <a:lnRef idx="2">
+                <a:schemeClr val="accent1">
+                  <a:shade val="50000"/>
+                </a:schemeClr>
+              </a:lnRef>
+              <a:fillRef idx="1">
+                <a:schemeClr val="accent1"/>
+              </a:fillRef>
+              <a:effectRef idx="0">
+                <a:schemeClr val="accent1"/>
+              </a:effectRef>
+              <a:fontRef idx="minor">
+                <a:schemeClr val="lt1"/>
+              </a:fontRef>
+            </p:style>
+            <p:txBody>
+              <a:bodyPr rtlCol="0" anchor="ctr"/>
+              <a:lstStyle/>
+              <a:p>
+                <a:pPr algn="ctr"/>
+                <a:endParaRPr lang="es-ES"/>
+              </a:p>
+            </p:txBody>
+          </p:sp>
+          <p:sp>
+            <p:nvSpPr>
+              <p:cNvPr id="43" name="42 Elipse"/>
+              <p:cNvSpPr/>
+              <p:nvPr/>
+            </p:nvSpPr>
+            <p:spPr>
+              <a:xfrm>
+                <a:off x="1259632" y="1340768"/>
+                <a:ext cx="144016" cy="144016"/>
+              </a:xfrm>
+              <a:prstGeom prst="ellipse">
+                <a:avLst/>
+              </a:prstGeom>
+              <a:noFill/>
+            </p:spPr>
+            <p:style>
+              <a:lnRef idx="2">
+                <a:schemeClr val="accent1">
+                  <a:shade val="50000"/>
+                </a:schemeClr>
+              </a:lnRef>
+              <a:fillRef idx="1">
+                <a:schemeClr val="accent1"/>
+              </a:fillRef>
+              <a:effectRef idx="0">
+                <a:schemeClr val="accent1"/>
+              </a:effectRef>
+              <a:fontRef idx="minor">
+                <a:schemeClr val="lt1"/>
+              </a:fontRef>
+            </p:style>
+            <p:txBody>
+              <a:bodyPr rtlCol="0" anchor="ctr"/>
+              <a:lstStyle/>
+              <a:p>
+                <a:pPr algn="ctr"/>
+                <a:endParaRPr lang="es-ES"/>
+              </a:p>
+            </p:txBody>
+          </p:sp>
+          <p:sp>
+            <p:nvSpPr>
+              <p:cNvPr id="44" name="43 Elipse"/>
+              <p:cNvSpPr/>
+              <p:nvPr/>
+            </p:nvSpPr>
+            <p:spPr>
+              <a:xfrm>
+                <a:off x="2051720" y="1340768"/>
+                <a:ext cx="144016" cy="144016"/>
+              </a:xfrm>
+              <a:prstGeom prst="ellipse">
+                <a:avLst/>
+              </a:prstGeom>
+              <a:noFill/>
+            </p:spPr>
+            <p:style>
+              <a:lnRef idx="2">
+                <a:schemeClr val="accent1">
+                  <a:shade val="50000"/>
+                </a:schemeClr>
+              </a:lnRef>
+              <a:fillRef idx="1">
+                <a:schemeClr val="accent1"/>
+              </a:fillRef>
+              <a:effectRef idx="0">
+                <a:schemeClr val="accent1"/>
+              </a:effectRef>
+              <a:fontRef idx="minor">
+                <a:schemeClr val="lt1"/>
+              </a:fontRef>
+            </p:style>
+            <p:txBody>
+              <a:bodyPr rtlCol="0" anchor="ctr"/>
+              <a:lstStyle/>
+              <a:p>
+                <a:pPr algn="ctr"/>
+                <a:endParaRPr lang="es-ES"/>
+              </a:p>
+            </p:txBody>
+          </p:sp>
+          <p:sp>
+            <p:nvSpPr>
+              <p:cNvPr id="45" name="44 Elipse"/>
+              <p:cNvSpPr/>
+              <p:nvPr/>
+            </p:nvSpPr>
+            <p:spPr>
+              <a:xfrm>
+                <a:off x="467544" y="1988840"/>
+                <a:ext cx="144016" cy="144016"/>
+              </a:xfrm>
+              <a:prstGeom prst="ellipse">
+                <a:avLst/>
+              </a:prstGeom>
+              <a:noFill/>
+            </p:spPr>
+            <p:style>
+              <a:lnRef idx="2">
+                <a:schemeClr val="accent1">
+                  <a:shade val="50000"/>
+                </a:schemeClr>
+              </a:lnRef>
+              <a:fillRef idx="1">
+                <a:schemeClr val="accent1"/>
+              </a:fillRef>
+              <a:effectRef idx="0">
+                <a:schemeClr val="accent1"/>
+              </a:effectRef>
+              <a:fontRef idx="minor">
+                <a:schemeClr val="lt1"/>
+              </a:fontRef>
+            </p:style>
+            <p:txBody>
+              <a:bodyPr rtlCol="0" anchor="ctr"/>
+              <a:lstStyle/>
+              <a:p>
+                <a:pPr algn="ctr"/>
+                <a:endParaRPr lang="es-ES"/>
+              </a:p>
+            </p:txBody>
+          </p:sp>
+          <p:sp>
+            <p:nvSpPr>
+              <p:cNvPr id="47" name="46 CuadroTexto"/>
+              <p:cNvSpPr txBox="1"/>
+              <p:nvPr/>
+            </p:nvSpPr>
+            <p:spPr>
+              <a:xfrm>
+                <a:off x="611560" y="2564904"/>
+                <a:ext cx="747320" cy="276999"/>
+              </a:xfrm>
+              <a:prstGeom prst="rect">
+                <a:avLst/>
+              </a:prstGeom>
+              <a:noFill/>
+            </p:spPr>
+            <p:txBody>
+              <a:bodyPr wrap="none" rtlCol="0">
+                <a:spAutoFit/>
+              </a:bodyPr>
+              <a:lstStyle/>
+              <a:p>
+                <a:r>
+                  <a:rPr lang="es-ES_tradnl" sz="1200" dirty="0" smtClean="0"/>
+                  <a:t>+ </a:t>
+                </a:r>
+                <a:r>
+                  <a:rPr lang="es-ES_tradnl" sz="1200" dirty="0" err="1" smtClean="0"/>
+                  <a:t>Diode</a:t>
+                </a:r>
+                <a:r>
+                  <a:rPr lang="es-ES_tradnl" sz="1200" dirty="0" smtClean="0"/>
+                  <a:t> -</a:t>
+                </a:r>
+                <a:endParaRPr lang="es-ES" sz="1200" dirty="0"/>
+              </a:p>
+            </p:txBody>
+          </p:sp>
+          <p:sp>
+            <p:nvSpPr>
+              <p:cNvPr id="49" name="48 CuadroTexto"/>
+              <p:cNvSpPr txBox="1"/>
+              <p:nvPr/>
+            </p:nvSpPr>
+            <p:spPr>
+              <a:xfrm>
+                <a:off x="251520" y="1052736"/>
+                <a:ext cx="394916" cy="276999"/>
+              </a:xfrm>
+              <a:prstGeom prst="rect">
+                <a:avLst/>
+              </a:prstGeom>
+              <a:noFill/>
+            </p:spPr>
+            <p:txBody>
+              <a:bodyPr wrap="none" rtlCol="0">
+                <a:spAutoFit/>
+              </a:bodyPr>
+              <a:lstStyle/>
+              <a:p>
+                <a:r>
+                  <a:rPr lang="es-ES_tradnl" sz="1200" dirty="0" err="1" smtClean="0"/>
+                  <a:t>Vcc</a:t>
+                </a:r>
+                <a:endParaRPr lang="es-ES" sz="1200" dirty="0"/>
+              </a:p>
+            </p:txBody>
+          </p:sp>
+          <p:sp>
+            <p:nvSpPr>
+              <p:cNvPr id="50" name="49 CuadroTexto"/>
+              <p:cNvSpPr txBox="1"/>
+              <p:nvPr/>
+            </p:nvSpPr>
+            <p:spPr>
+              <a:xfrm>
+                <a:off x="1043608" y="1052736"/>
+                <a:ext cx="442750" cy="276999"/>
+              </a:xfrm>
+              <a:prstGeom prst="rect">
+                <a:avLst/>
+              </a:prstGeom>
+              <a:noFill/>
+            </p:spPr>
+            <p:txBody>
+              <a:bodyPr wrap="none" rtlCol="0">
+                <a:spAutoFit/>
+              </a:bodyPr>
+              <a:lstStyle/>
+              <a:p>
+                <a:r>
+                  <a:rPr lang="es-ES_tradnl" sz="1200" dirty="0" err="1" smtClean="0"/>
+                  <a:t>Gnd</a:t>
+                </a:r>
+                <a:endParaRPr lang="es-ES" sz="1200" dirty="0"/>
+              </a:p>
+            </p:txBody>
+          </p:sp>
+          <p:sp>
+            <p:nvSpPr>
+              <p:cNvPr id="51" name="50 CuadroTexto"/>
+              <p:cNvSpPr txBox="1"/>
+              <p:nvPr/>
+            </p:nvSpPr>
+            <p:spPr>
+              <a:xfrm>
+                <a:off x="1835696" y="1052736"/>
+                <a:ext cx="454548" cy="276999"/>
+              </a:xfrm>
+              <a:prstGeom prst="rect">
+                <a:avLst/>
+              </a:prstGeom>
+              <a:noFill/>
+            </p:spPr>
+            <p:txBody>
+              <a:bodyPr wrap="none" rtlCol="0">
+                <a:spAutoFit/>
+              </a:bodyPr>
+              <a:lstStyle/>
+              <a:p>
+                <a:r>
+                  <a:rPr lang="es-ES_tradnl" sz="1200" dirty="0" smtClean="0"/>
+                  <a:t>/</a:t>
+                </a:r>
+                <a:r>
+                  <a:rPr lang="es-ES_tradnl" sz="1200" dirty="0" err="1" smtClean="0"/>
+                  <a:t>out</a:t>
+                </a:r>
+                <a:endParaRPr lang="es-ES" sz="1200" dirty="0"/>
+              </a:p>
+            </p:txBody>
+          </p:sp>
+        </p:grpSp>
         <p:sp>
           <p:nvSpPr>
-            <p:cNvPr id="22" name="21 Elipse"/>
-            <p:cNvSpPr/>
+            <p:cNvPr id="35" name="34 CuadroTexto"/>
+            <p:cNvSpPr txBox="1"/>
             <p:nvPr/>
           </p:nvSpPr>
           <p:spPr>
             <a:xfrm>
-              <a:off x="6660232" y="2996952"/>
-              <a:ext cx="144016" cy="144016"/>
+              <a:off x="395536" y="260648"/>
+              <a:ext cx="2088232" cy="461665"/>
             </a:xfrm>
-            <a:prstGeom prst="ellipse">
+            <a:prstGeom prst="rect">
               <a:avLst/>
             </a:prstGeom>
             <a:noFill/>
           </p:spPr>
-          <p:style>
-            <a:lnRef idx="2">
-              <a:schemeClr val="accent1">
-                <a:shade val="50000"/>
-              </a:schemeClr>
-            </a:lnRef>
-            <a:fillRef idx="1">
-              <a:schemeClr val="accent1"/>
-            </a:fillRef>
-            <a:effectRef idx="0">
-              <a:schemeClr val="accent1"/>
-            </a:effectRef>
-            <a:fontRef idx="minor">
-              <a:schemeClr val="lt1"/>
-            </a:fontRef>
-          </p:style>
           <p:txBody>
-            <a:bodyPr rtlCol="0" anchor="ctr"/>
+            <a:bodyPr wrap="square" rtlCol="0">
+              <a:spAutoFit/>
+            </a:bodyPr>
             <a:lstStyle/>
             <a:p>
               <a:pPr algn="ctr"/>
-              <a:endParaRPr lang="es-ES"/>
-            </a:p>
-          </p:txBody>
-        </p:sp>
-        <p:sp>
-          <p:nvSpPr>
-            <p:cNvPr id="23" name="22 Elipse"/>
-            <p:cNvSpPr/>
-            <p:nvPr/>
-          </p:nvSpPr>
-          <p:spPr>
-            <a:xfrm>
-              <a:off x="6660232" y="3212976"/>
-              <a:ext cx="144016" cy="144016"/>
-            </a:xfrm>
-            <a:prstGeom prst="ellipse">
-              <a:avLst/>
-            </a:prstGeom>
-            <a:noFill/>
-          </p:spPr>
-          <p:style>
-            <a:lnRef idx="2">
-              <a:schemeClr val="accent1">
-                <a:shade val="50000"/>
-              </a:schemeClr>
-            </a:lnRef>
-            <a:fillRef idx="1">
-              <a:schemeClr val="accent1"/>
-            </a:fillRef>
-            <a:effectRef idx="0">
-              <a:schemeClr val="accent1"/>
-            </a:effectRef>
-            <a:fontRef idx="minor">
-              <a:schemeClr val="lt1"/>
-            </a:fontRef>
-          </p:style>
-          <p:txBody>
-            <a:bodyPr rtlCol="0" anchor="ctr"/>
-            <a:lstStyle/>
-            <a:p>
-              <a:pPr algn="ctr"/>
-              <a:endParaRPr lang="es-ES"/>
+              <a:r>
+                <a:rPr lang="es-ES_tradnl" sz="1200" dirty="0" err="1" smtClean="0"/>
+                <a:t>Optocoupler</a:t>
+              </a:r>
+              <a:r>
+                <a:rPr lang="es-ES_tradnl" sz="1200" dirty="0" smtClean="0"/>
+                <a:t> </a:t>
+              </a:r>
+              <a:r>
+                <a:rPr lang="es-ES_tradnl" sz="1200" dirty="0" err="1" smtClean="0"/>
+                <a:t>inside</a:t>
+              </a:r>
+              <a:r>
+                <a:rPr lang="es-ES_tradnl" sz="1200" dirty="0" smtClean="0"/>
+                <a:t> FCB1010  (MIDI input)</a:t>
+              </a:r>
+              <a:endParaRPr lang="es-ES" sz="1200" dirty="0"/>
             </a:p>
           </p:txBody>
         </p:sp>
       </p:grpSp>
-      <p:sp>
-        <p:nvSpPr>
-          <p:cNvPr id="24" name="23 Rectángulo"/>
-          <p:cNvSpPr/>
-          <p:nvPr/>
-        </p:nvSpPr>
-        <p:spPr>
-          <a:xfrm>
-            <a:off x="2987824" y="4074713"/>
-            <a:ext cx="864096" cy="2304256"/>
-          </a:xfrm>
-          <a:prstGeom prst="rect">
-            <a:avLst/>
-          </a:prstGeom>
-        </p:spPr>
-        <p:style>
-          <a:lnRef idx="2">
-            <a:schemeClr val="accent1">
-              <a:shade val="50000"/>
-            </a:schemeClr>
-          </a:lnRef>
-          <a:fillRef idx="1">
-            <a:schemeClr val="accent1"/>
-          </a:fillRef>
-          <a:effectRef idx="0">
-            <a:schemeClr val="accent1"/>
-          </a:effectRef>
-          <a:fontRef idx="minor">
-            <a:schemeClr val="lt1"/>
-          </a:fontRef>
-        </p:style>
-        <p:txBody>
-          <a:bodyPr rtlCol="0" anchor="ctr"/>
-          <a:lstStyle/>
-          <a:p>
-            <a:pPr algn="ctr"/>
-            <a:r>
-              <a:rPr lang="es-ES_tradnl" dirty="0" smtClean="0"/>
-              <a:t>5V</a:t>
-            </a:r>
-          </a:p>
-          <a:p>
-            <a:pPr algn="ctr"/>
-            <a:r>
-              <a:rPr lang="es-ES_tradnl" dirty="0" smtClean="0"/>
-              <a:t> </a:t>
-            </a:r>
-            <a:r>
-              <a:rPr lang="es-ES_tradnl" dirty="0" err="1" smtClean="0"/>
-              <a:t>to</a:t>
-            </a:r>
-            <a:r>
-              <a:rPr lang="es-ES_tradnl" dirty="0" smtClean="0"/>
-              <a:t>  </a:t>
-            </a:r>
-            <a:endParaRPr lang="es-ES_tradnl" dirty="0" smtClean="0"/>
-          </a:p>
-          <a:p>
-            <a:pPr algn="ctr"/>
-            <a:r>
-              <a:rPr lang="es-ES_tradnl" dirty="0" smtClean="0"/>
-              <a:t>3.3V</a:t>
-            </a:r>
-            <a:endParaRPr lang="es-ES" dirty="0"/>
-          </a:p>
-        </p:txBody>
-      </p:sp>
-      <p:sp>
-        <p:nvSpPr>
-          <p:cNvPr id="21" name="20 CuadroTexto"/>
-          <p:cNvSpPr txBox="1"/>
-          <p:nvPr/>
-        </p:nvSpPr>
-        <p:spPr>
-          <a:xfrm>
-            <a:off x="539552" y="4794793"/>
-            <a:ext cx="853119" cy="307777"/>
-          </a:xfrm>
-          <a:prstGeom prst="rect">
-            <a:avLst/>
-          </a:prstGeom>
-          <a:noFill/>
-        </p:spPr>
-        <p:txBody>
-          <a:bodyPr wrap="none" rtlCol="0">
-            <a:spAutoFit/>
-          </a:bodyPr>
-          <a:lstStyle/>
-          <a:p>
-            <a:r>
-              <a:rPr lang="es-ES" sz="1400" dirty="0" smtClean="0"/>
-              <a:t>MIDI </a:t>
-            </a:r>
-            <a:r>
-              <a:rPr lang="es-ES" sz="1400" dirty="0" err="1" smtClean="0"/>
-              <a:t>Out</a:t>
-            </a:r>
-            <a:endParaRPr lang="es-ES" sz="1400" dirty="0"/>
-          </a:p>
-        </p:txBody>
-      </p:sp>
-      <p:sp>
-        <p:nvSpPr>
-          <p:cNvPr id="25" name="24 CuadroTexto"/>
-          <p:cNvSpPr txBox="1"/>
-          <p:nvPr/>
-        </p:nvSpPr>
-        <p:spPr>
-          <a:xfrm>
-            <a:off x="674205" y="5010817"/>
-            <a:ext cx="718466" cy="307777"/>
-          </a:xfrm>
-          <a:prstGeom prst="rect">
-            <a:avLst/>
-          </a:prstGeom>
-          <a:noFill/>
-        </p:spPr>
-        <p:txBody>
-          <a:bodyPr wrap="none" rtlCol="0">
-            <a:spAutoFit/>
-          </a:bodyPr>
-          <a:lstStyle/>
-          <a:p>
-            <a:r>
-              <a:rPr lang="es-ES" sz="1400" dirty="0" smtClean="0"/>
-              <a:t>MIDI In</a:t>
-            </a:r>
-            <a:endParaRPr lang="es-ES" sz="1400" dirty="0"/>
-          </a:p>
-        </p:txBody>
-      </p:sp>
-      <p:sp>
-        <p:nvSpPr>
-          <p:cNvPr id="26" name="25 CuadroTexto"/>
-          <p:cNvSpPr txBox="1"/>
-          <p:nvPr/>
-        </p:nvSpPr>
-        <p:spPr>
-          <a:xfrm>
-            <a:off x="924273" y="5226841"/>
-            <a:ext cx="468398" cy="307777"/>
-          </a:xfrm>
-          <a:prstGeom prst="rect">
-            <a:avLst/>
-          </a:prstGeom>
-          <a:noFill/>
-        </p:spPr>
-        <p:txBody>
-          <a:bodyPr wrap="none" rtlCol="0">
-            <a:spAutoFit/>
-          </a:bodyPr>
-          <a:lstStyle/>
-          <a:p>
-            <a:r>
-              <a:rPr lang="es-ES" sz="1400" dirty="0" smtClean="0"/>
-              <a:t>+5V</a:t>
-            </a:r>
-            <a:endParaRPr lang="es-ES" sz="1400" dirty="0"/>
-          </a:p>
-        </p:txBody>
-      </p:sp>
-      <p:sp>
-        <p:nvSpPr>
-          <p:cNvPr id="27" name="26 CuadroTexto"/>
-          <p:cNvSpPr txBox="1"/>
-          <p:nvPr/>
-        </p:nvSpPr>
-        <p:spPr>
-          <a:xfrm>
-            <a:off x="905037" y="5442865"/>
-            <a:ext cx="487634" cy="307777"/>
-          </a:xfrm>
-          <a:prstGeom prst="rect">
-            <a:avLst/>
-          </a:prstGeom>
-          <a:noFill/>
-        </p:spPr>
-        <p:txBody>
-          <a:bodyPr wrap="none" rtlCol="0">
-            <a:spAutoFit/>
-          </a:bodyPr>
-          <a:lstStyle/>
-          <a:p>
-            <a:r>
-              <a:rPr lang="es-ES" sz="1400" dirty="0" err="1" smtClean="0"/>
-              <a:t>Gnd</a:t>
-            </a:r>
-            <a:endParaRPr lang="es-ES" sz="1400" dirty="0"/>
-          </a:p>
-        </p:txBody>
-      </p:sp>
-      <p:sp>
-        <p:nvSpPr>
-          <p:cNvPr id="28" name="27 CuadroTexto"/>
-          <p:cNvSpPr txBox="1"/>
-          <p:nvPr/>
-        </p:nvSpPr>
-        <p:spPr>
-          <a:xfrm>
-            <a:off x="323528" y="3717032"/>
-            <a:ext cx="1542474" cy="461665"/>
-          </a:xfrm>
-          <a:prstGeom prst="rect">
-            <a:avLst/>
-          </a:prstGeom>
-          <a:noFill/>
-        </p:spPr>
-        <p:txBody>
-          <a:bodyPr wrap="none" rtlCol="0">
-            <a:spAutoFit/>
-          </a:bodyPr>
-          <a:lstStyle/>
-          <a:p>
-            <a:pPr algn="ctr"/>
-            <a:r>
-              <a:rPr lang="es-ES" sz="1200" i="1" dirty="0" smtClean="0"/>
-              <a:t>FCB1010</a:t>
-            </a:r>
-          </a:p>
-          <a:p>
-            <a:pPr algn="ctr"/>
-            <a:r>
-              <a:rPr lang="es-ES" sz="1200" i="1" dirty="0" smtClean="0"/>
-              <a:t>MIDI </a:t>
-            </a:r>
-            <a:r>
-              <a:rPr lang="es-ES" sz="1200" i="1" dirty="0" err="1" smtClean="0"/>
-              <a:t>board</a:t>
-            </a:r>
-            <a:r>
-              <a:rPr lang="es-ES" sz="1200" i="1" dirty="0" smtClean="0"/>
-              <a:t> </a:t>
-            </a:r>
-            <a:r>
-              <a:rPr lang="es-ES" sz="1200" i="1" dirty="0" err="1" smtClean="0"/>
-              <a:t>connector</a:t>
-            </a:r>
-            <a:endParaRPr lang="es-ES" sz="1200" i="1" dirty="0"/>
-          </a:p>
-        </p:txBody>
-      </p:sp>
-      <p:cxnSp>
-        <p:nvCxnSpPr>
-          <p:cNvPr id="29" name="28 Conector angular"/>
-          <p:cNvCxnSpPr/>
-          <p:nvPr/>
-        </p:nvCxnSpPr>
-        <p:spPr>
-          <a:xfrm rot="5400000">
-            <a:off x="3491880" y="4146721"/>
-            <a:ext cx="1152128" cy="432048"/>
-          </a:xfrm>
-          <a:prstGeom prst="bentConnector3">
-            <a:avLst>
-              <a:gd name="adj1" fmla="val 99798"/>
-            </a:avLst>
-          </a:prstGeom>
-        </p:spPr>
-        <p:style>
-          <a:lnRef idx="1">
-            <a:schemeClr val="accent1"/>
-          </a:lnRef>
-          <a:fillRef idx="0">
-            <a:schemeClr val="accent1"/>
-          </a:fillRef>
-          <a:effectRef idx="0">
-            <a:schemeClr val="accent1"/>
-          </a:effectRef>
-          <a:fontRef idx="minor">
-            <a:schemeClr val="tx1"/>
-          </a:fontRef>
-        </p:style>
-      </p:cxnSp>
-      <p:cxnSp>
-        <p:nvCxnSpPr>
-          <p:cNvPr id="32" name="31 Conector angular"/>
-          <p:cNvCxnSpPr/>
-          <p:nvPr/>
-        </p:nvCxnSpPr>
-        <p:spPr>
-          <a:xfrm rot="16200000" flipV="1">
-            <a:off x="3383868" y="5838909"/>
-            <a:ext cx="1368152" cy="432048"/>
-          </a:xfrm>
-          <a:prstGeom prst="bentConnector3">
-            <a:avLst>
-              <a:gd name="adj1" fmla="val 100454"/>
-            </a:avLst>
-          </a:prstGeom>
-        </p:spPr>
-        <p:style>
-          <a:lnRef idx="1">
-            <a:schemeClr val="accent1"/>
-          </a:lnRef>
-          <a:fillRef idx="0">
-            <a:schemeClr val="accent1"/>
-          </a:fillRef>
-          <a:effectRef idx="0">
-            <a:schemeClr val="accent1"/>
-          </a:effectRef>
-          <a:fontRef idx="minor">
-            <a:schemeClr val="tx1"/>
-          </a:fontRef>
-        </p:style>
-      </p:cxnSp>
-      <p:cxnSp>
-        <p:nvCxnSpPr>
-          <p:cNvPr id="37" name="36 Conector recto"/>
-          <p:cNvCxnSpPr>
-            <a:stCxn id="22" idx="6"/>
-          </p:cNvCxnSpPr>
-          <p:nvPr/>
-        </p:nvCxnSpPr>
-        <p:spPr>
-          <a:xfrm>
-            <a:off x="1619672" y="5370857"/>
-            <a:ext cx="1368152" cy="0"/>
-          </a:xfrm>
-          <a:prstGeom prst="line">
-            <a:avLst/>
-          </a:prstGeom>
-        </p:spPr>
-        <p:style>
-          <a:lnRef idx="1">
-            <a:schemeClr val="accent1"/>
-          </a:lnRef>
-          <a:fillRef idx="0">
-            <a:schemeClr val="accent1"/>
-          </a:fillRef>
-          <a:effectRef idx="0">
-            <a:schemeClr val="accent1"/>
-          </a:effectRef>
-          <a:fontRef idx="minor">
-            <a:schemeClr val="tx1"/>
-          </a:fontRef>
-        </p:style>
-      </p:cxnSp>
-      <p:cxnSp>
-        <p:nvCxnSpPr>
-          <p:cNvPr id="40" name="39 Conector recto"/>
-          <p:cNvCxnSpPr>
-            <a:stCxn id="23" idx="6"/>
-          </p:cNvCxnSpPr>
-          <p:nvPr/>
-        </p:nvCxnSpPr>
-        <p:spPr>
-          <a:xfrm>
-            <a:off x="1619672" y="5586881"/>
-            <a:ext cx="1368152" cy="0"/>
-          </a:xfrm>
-          <a:prstGeom prst="line">
-            <a:avLst/>
-          </a:prstGeom>
-        </p:spPr>
-        <p:style>
-          <a:lnRef idx="1">
-            <a:schemeClr val="accent1"/>
-          </a:lnRef>
-          <a:fillRef idx="0">
-            <a:schemeClr val="accent1"/>
-          </a:fillRef>
-          <a:effectRef idx="0">
-            <a:schemeClr val="accent1"/>
-          </a:effectRef>
-          <a:fontRef idx="minor">
-            <a:schemeClr val="tx1"/>
-          </a:fontRef>
-        </p:style>
-      </p:cxnSp>
-      <p:cxnSp>
-        <p:nvCxnSpPr>
-          <p:cNvPr id="48" name="47 Conector angular"/>
-          <p:cNvCxnSpPr>
-            <a:stCxn id="19" idx="6"/>
-          </p:cNvCxnSpPr>
-          <p:nvPr/>
-        </p:nvCxnSpPr>
-        <p:spPr>
-          <a:xfrm flipV="1">
-            <a:off x="1619672" y="3324999"/>
-            <a:ext cx="2710281" cy="1613810"/>
-          </a:xfrm>
-          <a:prstGeom prst="bentConnector3">
-            <a:avLst>
-              <a:gd name="adj1" fmla="val 38754"/>
-            </a:avLst>
-          </a:prstGeom>
-        </p:spPr>
-        <p:style>
-          <a:lnRef idx="1">
-            <a:schemeClr val="accent1"/>
-          </a:lnRef>
-          <a:fillRef idx="0">
-            <a:schemeClr val="accent1"/>
-          </a:fillRef>
-          <a:effectRef idx="0">
-            <a:schemeClr val="accent1"/>
-          </a:effectRef>
-          <a:fontRef idx="minor">
-            <a:schemeClr val="tx1"/>
-          </a:fontRef>
-        </p:style>
-      </p:cxnSp>
-      <p:cxnSp>
-        <p:nvCxnSpPr>
-          <p:cNvPr id="52" name="51 Conector recto de flecha"/>
-          <p:cNvCxnSpPr>
-            <a:stCxn id="28" idx="2"/>
-          </p:cNvCxnSpPr>
-          <p:nvPr/>
-        </p:nvCxnSpPr>
-        <p:spPr>
-          <a:xfrm>
-            <a:off x="1094765" y="4178697"/>
-            <a:ext cx="380891" cy="474439"/>
-          </a:xfrm>
-          <a:prstGeom prst="straightConnector1">
-            <a:avLst/>
-          </a:prstGeom>
-          <a:ln>
-            <a:tailEnd type="arrow"/>
-          </a:ln>
-        </p:spPr>
-        <p:style>
-          <a:lnRef idx="1">
-            <a:schemeClr val="accent1"/>
-          </a:lnRef>
-          <a:fillRef idx="0">
-            <a:schemeClr val="accent1"/>
-          </a:fillRef>
-          <a:effectRef idx="0">
-            <a:schemeClr val="accent1"/>
-          </a:effectRef>
-          <a:fontRef idx="minor">
-            <a:schemeClr val="tx1"/>
-          </a:fontRef>
-        </p:style>
-      </p:cxnSp>
     </p:spTree>
   </p:cSld>
   <p:clrMapOvr>

--- a/DOC/NA_FCB1010Wifi.pptx
+++ b/DOC/NA_FCB1010Wifi.pptx
@@ -290,7 +290,7 @@
             <a:fld id="{7A847CFC-816F-41D0-AAC0-9BF4FEBC753E}" type="datetimeFigureOut">
               <a:rPr lang="es-ES" smtClean="0"/>
               <a:pPr/>
-              <a:t>24/10/16</a:t>
+              <a:t>30/12/2017</a:t>
             </a:fld>
             <a:endParaRPr lang="es-ES"/>
           </a:p>
@@ -457,7 +457,7 @@
             <a:fld id="{7A847CFC-816F-41D0-AAC0-9BF4FEBC753E}" type="datetimeFigureOut">
               <a:rPr lang="es-ES" smtClean="0"/>
               <a:pPr/>
-              <a:t>24/10/16</a:t>
+              <a:t>30/12/2017</a:t>
             </a:fld>
             <a:endParaRPr lang="es-ES"/>
           </a:p>
@@ -634,7 +634,7 @@
             <a:fld id="{7A847CFC-816F-41D0-AAC0-9BF4FEBC753E}" type="datetimeFigureOut">
               <a:rPr lang="es-ES" smtClean="0"/>
               <a:pPr/>
-              <a:t>24/10/16</a:t>
+              <a:t>30/12/2017</a:t>
             </a:fld>
             <a:endParaRPr lang="es-ES"/>
           </a:p>
@@ -801,7 +801,7 @@
             <a:fld id="{7A847CFC-816F-41D0-AAC0-9BF4FEBC753E}" type="datetimeFigureOut">
               <a:rPr lang="es-ES" smtClean="0"/>
               <a:pPr/>
-              <a:t>24/10/16</a:t>
+              <a:t>30/12/2017</a:t>
             </a:fld>
             <a:endParaRPr lang="es-ES"/>
           </a:p>
@@ -1044,7 +1044,7 @@
             <a:fld id="{7A847CFC-816F-41D0-AAC0-9BF4FEBC753E}" type="datetimeFigureOut">
               <a:rPr lang="es-ES" smtClean="0"/>
               <a:pPr/>
-              <a:t>24/10/16</a:t>
+              <a:t>30/12/2017</a:t>
             </a:fld>
             <a:endParaRPr lang="es-ES"/>
           </a:p>
@@ -1329,7 +1329,7 @@
             <a:fld id="{7A847CFC-816F-41D0-AAC0-9BF4FEBC753E}" type="datetimeFigureOut">
               <a:rPr lang="es-ES" smtClean="0"/>
               <a:pPr/>
-              <a:t>24/10/16</a:t>
+              <a:t>30/12/2017</a:t>
             </a:fld>
             <a:endParaRPr lang="es-ES"/>
           </a:p>
@@ -1748,7 +1748,7 @@
             <a:fld id="{7A847CFC-816F-41D0-AAC0-9BF4FEBC753E}" type="datetimeFigureOut">
               <a:rPr lang="es-ES" smtClean="0"/>
               <a:pPr/>
-              <a:t>24/10/16</a:t>
+              <a:t>30/12/2017</a:t>
             </a:fld>
             <a:endParaRPr lang="es-ES"/>
           </a:p>
@@ -1863,7 +1863,7 @@
             <a:fld id="{7A847CFC-816F-41D0-AAC0-9BF4FEBC753E}" type="datetimeFigureOut">
               <a:rPr lang="es-ES" smtClean="0"/>
               <a:pPr/>
-              <a:t>24/10/16</a:t>
+              <a:t>30/12/2017</a:t>
             </a:fld>
             <a:endParaRPr lang="es-ES"/>
           </a:p>
@@ -1955,7 +1955,7 @@
             <a:fld id="{7A847CFC-816F-41D0-AAC0-9BF4FEBC753E}" type="datetimeFigureOut">
               <a:rPr lang="es-ES" smtClean="0"/>
               <a:pPr/>
-              <a:t>24/10/16</a:t>
+              <a:t>30/12/2017</a:t>
             </a:fld>
             <a:endParaRPr lang="es-ES"/>
           </a:p>
@@ -2229,7 +2229,7 @@
             <a:fld id="{7A847CFC-816F-41D0-AAC0-9BF4FEBC753E}" type="datetimeFigureOut">
               <a:rPr lang="es-ES" smtClean="0"/>
               <a:pPr/>
-              <a:t>24/10/16</a:t>
+              <a:t>30/12/2017</a:t>
             </a:fld>
             <a:endParaRPr lang="es-ES"/>
           </a:p>
@@ -2479,7 +2479,7 @@
             <a:fld id="{7A847CFC-816F-41D0-AAC0-9BF4FEBC753E}" type="datetimeFigureOut">
               <a:rPr lang="es-ES" smtClean="0"/>
               <a:pPr/>
-              <a:t>24/10/16</a:t>
+              <a:t>30/12/2017</a:t>
             </a:fld>
             <a:endParaRPr lang="es-ES"/>
           </a:p>
@@ -2689,7 +2689,7 @@
             <a:fld id="{7A847CFC-816F-41D0-AAC0-9BF4FEBC753E}" type="datetimeFigureOut">
               <a:rPr lang="es-ES" smtClean="0"/>
               <a:pPr/>
-              <a:t>24/10/16</a:t>
+              <a:t>30/12/2017</a:t>
             </a:fld>
             <a:endParaRPr lang="es-ES"/>
           </a:p>
@@ -3963,6 +3963,94 @@
           </p:style>
         </p:cxnSp>
       </p:grpSp>
+      <p:sp>
+        <p:nvSpPr>
+          <p:cNvPr id="45" name="44 CuadroTexto"/>
+          <p:cNvSpPr txBox="1"/>
+          <p:nvPr/>
+        </p:nvSpPr>
+        <p:spPr>
+          <a:xfrm>
+            <a:off x="4865353" y="2902725"/>
+            <a:ext cx="444352" cy="307777"/>
+          </a:xfrm>
+          <a:prstGeom prst="rect">
+            <a:avLst/>
+          </a:prstGeom>
+          <a:noFill/>
+        </p:spPr>
+        <p:txBody>
+          <a:bodyPr wrap="none" rtlCol="0">
+            <a:spAutoFit/>
+          </a:bodyPr>
+          <a:lstStyle/>
+          <a:p>
+            <a:r>
+              <a:rPr lang="es-ES" sz="1400" dirty="0" smtClean="0"/>
+              <a:t>gris</a:t>
+            </a:r>
+            <a:endParaRPr lang="es-ES" sz="1400" dirty="0"/>
+          </a:p>
+        </p:txBody>
+      </p:sp>
+      <p:sp>
+        <p:nvSpPr>
+          <p:cNvPr id="46" name="45 CuadroTexto"/>
+          <p:cNvSpPr txBox="1"/>
+          <p:nvPr/>
+        </p:nvSpPr>
+        <p:spPr>
+          <a:xfrm>
+            <a:off x="2074736" y="4967299"/>
+            <a:ext cx="673711" cy="307777"/>
+          </a:xfrm>
+          <a:prstGeom prst="rect">
+            <a:avLst/>
+          </a:prstGeom>
+          <a:noFill/>
+        </p:spPr>
+        <p:txBody>
+          <a:bodyPr wrap="none" rtlCol="0">
+            <a:spAutoFit/>
+          </a:bodyPr>
+          <a:lstStyle/>
+          <a:p>
+            <a:r>
+              <a:rPr lang="es-ES" sz="1400" dirty="0" smtClean="0"/>
+              <a:t>Blanco</a:t>
+            </a:r>
+          </a:p>
+        </p:txBody>
+      </p:sp>
+      <p:sp>
+        <p:nvSpPr>
+          <p:cNvPr id="47" name="46 CuadroTexto"/>
+          <p:cNvSpPr txBox="1"/>
+          <p:nvPr/>
+        </p:nvSpPr>
+        <p:spPr>
+          <a:xfrm>
+            <a:off x="2098089" y="5176937"/>
+            <a:ext cx="629018" cy="307777"/>
+          </a:xfrm>
+          <a:prstGeom prst="rect">
+            <a:avLst/>
+          </a:prstGeom>
+          <a:noFill/>
+        </p:spPr>
+        <p:txBody>
+          <a:bodyPr wrap="none" rtlCol="0">
+            <a:spAutoFit/>
+          </a:bodyPr>
+          <a:lstStyle/>
+          <a:p>
+            <a:r>
+              <a:rPr lang="es-ES" sz="1400" dirty="0" smtClean="0"/>
+              <a:t>Negro</a:t>
+            </a:r>
+          </a:p>
+        </p:txBody>
+      </p:sp>
     </p:spTree>
   </p:cSld>
   <p:clrMapOvr>
